--- a/Azure Synapse -II.pptx
+++ b/Azure Synapse -II.pptx
@@ -23,6 +23,12 @@
     <p:sldId id="271" r:id="rId17"/>
     <p:sldId id="272" r:id="rId18"/>
     <p:sldId id="273" r:id="rId19"/>
+    <p:sldId id="274" r:id="rId20"/>
+    <p:sldId id="275" r:id="rId21"/>
+    <p:sldId id="276" r:id="rId22"/>
+    <p:sldId id="277" r:id="rId23"/>
+    <p:sldId id="278" r:id="rId24"/>
+    <p:sldId id="279" r:id="rId25"/>
   </p:sldIdLst>
   <p:sldSz cx="12192000" cy="6858000"/>
   <p:notesSz cx="6858000" cy="9144000"/>
@@ -132,13 +138,272 @@
 <file path=ppt/revisionInfo.xml><?xml version="1.0" encoding="utf-8"?>
 <p1510:revInfo xmlns:a="http://schemas.openxmlformats.org/drawingml/2006/main" xmlns:r="http://schemas.openxmlformats.org/officeDocument/2006/relationships" xmlns:p1510="http://schemas.microsoft.com/office/powerpoint/2015/10/main">
   <p1510:revLst>
-    <p1510:client id="{05C80FB3-5D0F-470F-BA19-7B87444DCFC2}" v="33" dt="2024-02-20T11:47:50.649"/>
+    <p1510:client id="{B808C923-3565-4F56-9804-9AEF0BFDDA03}" v="5" dt="2025-08-11T12:02:58.637"/>
   </p1510:revLst>
 </p1510:revInfo>
 </file>
 
 <file path=ppt/changesInfos/changesInfo1.xml><?xml version="1.0" encoding="utf-8"?>
 <pc:chgInfo xmlns:a="http://schemas.openxmlformats.org/drawingml/2006/main" xmlns:r="http://schemas.openxmlformats.org/officeDocument/2006/relationships" xmlns:ac="http://schemas.microsoft.com/office/drawing/2013/main/command" xmlns:pc="http://schemas.microsoft.com/office/powerpoint/2013/main/command">
+  <pc:docChgLst>
+    <pc:chgData name="Lokeswar Reddy Valluru" userId="c2e58a91-c8d7-4762-8685-670b085edc60" providerId="ADAL" clId="{B808C923-3565-4F56-9804-9AEF0BFDDA03}"/>
+    <pc:docChg chg="custSel addSld modSld">
+      <pc:chgData name="Lokeswar Reddy Valluru" userId="c2e58a91-c8d7-4762-8685-670b085edc60" providerId="ADAL" clId="{B808C923-3565-4F56-9804-9AEF0BFDDA03}" dt="2025-08-11T12:03:46.691" v="197" actId="1076"/>
+      <pc:docMkLst>
+        <pc:docMk/>
+      </pc:docMkLst>
+      <pc:sldChg chg="addSp delSp modSp new mod">
+        <pc:chgData name="Lokeswar Reddy Valluru" userId="c2e58a91-c8d7-4762-8685-670b085edc60" providerId="ADAL" clId="{B808C923-3565-4F56-9804-9AEF0BFDDA03}" dt="2025-08-11T11:50:28.156" v="19" actId="1076"/>
+        <pc:sldMkLst>
+          <pc:docMk/>
+          <pc:sldMk cId="1203616247" sldId="274"/>
+        </pc:sldMkLst>
+        <pc:spChg chg="del">
+          <ac:chgData name="Lokeswar Reddy Valluru" userId="c2e58a91-c8d7-4762-8685-670b085edc60" providerId="ADAL" clId="{B808C923-3565-4F56-9804-9AEF0BFDDA03}" dt="2025-08-11T11:48:13.227" v="1" actId="22"/>
+          <ac:spMkLst>
+            <pc:docMk/>
+            <pc:sldMk cId="1203616247" sldId="274"/>
+            <ac:spMk id="3" creationId="{DFDFF3B9-25C7-AB49-C1B3-6984395F6490}"/>
+          </ac:spMkLst>
+        </pc:spChg>
+        <pc:spChg chg="add mod">
+          <ac:chgData name="Lokeswar Reddy Valluru" userId="c2e58a91-c8d7-4762-8685-670b085edc60" providerId="ADAL" clId="{B808C923-3565-4F56-9804-9AEF0BFDDA03}" dt="2025-08-11T11:49:54.843" v="14" actId="20577"/>
+          <ac:spMkLst>
+            <pc:docMk/>
+            <pc:sldMk cId="1203616247" sldId="274"/>
+            <ac:spMk id="8" creationId="{D4E35122-F923-D5AE-1C3D-2650380250C9}"/>
+          </ac:spMkLst>
+        </pc:spChg>
+        <pc:picChg chg="add mod ord">
+          <ac:chgData name="Lokeswar Reddy Valluru" userId="c2e58a91-c8d7-4762-8685-670b085edc60" providerId="ADAL" clId="{B808C923-3565-4F56-9804-9AEF0BFDDA03}" dt="2025-08-11T11:49:34.923" v="5" actId="1076"/>
+          <ac:picMkLst>
+            <pc:docMk/>
+            <pc:sldMk cId="1203616247" sldId="274"/>
+            <ac:picMk id="5" creationId="{66A2DAC8-738A-5968-C70C-82FB84E66EA7}"/>
+          </ac:picMkLst>
+        </pc:picChg>
+        <pc:picChg chg="add mod">
+          <ac:chgData name="Lokeswar Reddy Valluru" userId="c2e58a91-c8d7-4762-8685-670b085edc60" providerId="ADAL" clId="{B808C923-3565-4F56-9804-9AEF0BFDDA03}" dt="2025-08-11T11:49:36.987" v="6" actId="1076"/>
+          <ac:picMkLst>
+            <pc:docMk/>
+            <pc:sldMk cId="1203616247" sldId="274"/>
+            <ac:picMk id="7" creationId="{2CB4FADC-F742-B606-4098-8F473957D835}"/>
+          </ac:picMkLst>
+        </pc:picChg>
+        <pc:picChg chg="add mod">
+          <ac:chgData name="Lokeswar Reddy Valluru" userId="c2e58a91-c8d7-4762-8685-670b085edc60" providerId="ADAL" clId="{B808C923-3565-4F56-9804-9AEF0BFDDA03}" dt="2025-08-11T11:50:28.156" v="19" actId="1076"/>
+          <ac:picMkLst>
+            <pc:docMk/>
+            <pc:sldMk cId="1203616247" sldId="274"/>
+            <ac:picMk id="10" creationId="{0594E84C-06B5-4D78-B753-A461B9AC2A29}"/>
+          </ac:picMkLst>
+        </pc:picChg>
+      </pc:sldChg>
+      <pc:sldChg chg="addSp delSp modSp new mod">
+        <pc:chgData name="Lokeswar Reddy Valluru" userId="c2e58a91-c8d7-4762-8685-670b085edc60" providerId="ADAL" clId="{B808C923-3565-4F56-9804-9AEF0BFDDA03}" dt="2025-08-11T11:52:30.590" v="26" actId="1076"/>
+        <pc:sldMkLst>
+          <pc:docMk/>
+          <pc:sldMk cId="3933600316" sldId="275"/>
+        </pc:sldMkLst>
+        <pc:spChg chg="del">
+          <ac:chgData name="Lokeswar Reddy Valluru" userId="c2e58a91-c8d7-4762-8685-670b085edc60" providerId="ADAL" clId="{B808C923-3565-4F56-9804-9AEF0BFDDA03}" dt="2025-08-11T11:51:07.762" v="21" actId="22"/>
+          <ac:spMkLst>
+            <pc:docMk/>
+            <pc:sldMk cId="3933600316" sldId="275"/>
+            <ac:spMk id="3" creationId="{031CB3AF-3954-2CE3-FB6E-D8C619B09999}"/>
+          </ac:spMkLst>
+        </pc:spChg>
+        <pc:picChg chg="add mod ord">
+          <ac:chgData name="Lokeswar Reddy Valluru" userId="c2e58a91-c8d7-4762-8685-670b085edc60" providerId="ADAL" clId="{B808C923-3565-4F56-9804-9AEF0BFDDA03}" dt="2025-08-11T11:51:09.751" v="22" actId="1076"/>
+          <ac:picMkLst>
+            <pc:docMk/>
+            <pc:sldMk cId="3933600316" sldId="275"/>
+            <ac:picMk id="5" creationId="{91C6D7C9-226A-9FF4-B662-13D1A1079F2C}"/>
+          </ac:picMkLst>
+        </pc:picChg>
+        <pc:picChg chg="add mod">
+          <ac:chgData name="Lokeswar Reddy Valluru" userId="c2e58a91-c8d7-4762-8685-670b085edc60" providerId="ADAL" clId="{B808C923-3565-4F56-9804-9AEF0BFDDA03}" dt="2025-08-11T11:52:13.388" v="24" actId="1076"/>
+          <ac:picMkLst>
+            <pc:docMk/>
+            <pc:sldMk cId="3933600316" sldId="275"/>
+            <ac:picMk id="7" creationId="{8B2645AB-5B8A-DECE-05C9-BF9A5E4783A5}"/>
+          </ac:picMkLst>
+        </pc:picChg>
+        <pc:picChg chg="add mod">
+          <ac:chgData name="Lokeswar Reddy Valluru" userId="c2e58a91-c8d7-4762-8685-670b085edc60" providerId="ADAL" clId="{B808C923-3565-4F56-9804-9AEF0BFDDA03}" dt="2025-08-11T11:52:30.590" v="26" actId="1076"/>
+          <ac:picMkLst>
+            <pc:docMk/>
+            <pc:sldMk cId="3933600316" sldId="275"/>
+            <ac:picMk id="9" creationId="{A7F73AFF-86AA-92B6-48D5-4744320823F7}"/>
+          </ac:picMkLst>
+        </pc:picChg>
+      </pc:sldChg>
+      <pc:sldChg chg="addSp delSp modSp new mod">
+        <pc:chgData name="Lokeswar Reddy Valluru" userId="c2e58a91-c8d7-4762-8685-670b085edc60" providerId="ADAL" clId="{B808C923-3565-4F56-9804-9AEF0BFDDA03}" dt="2025-08-11T11:54:01.109" v="34" actId="1076"/>
+        <pc:sldMkLst>
+          <pc:docMk/>
+          <pc:sldMk cId="3770432974" sldId="276"/>
+        </pc:sldMkLst>
+        <pc:spChg chg="mod">
+          <ac:chgData name="Lokeswar Reddy Valluru" userId="c2e58a91-c8d7-4762-8685-670b085edc60" providerId="ADAL" clId="{B808C923-3565-4F56-9804-9AEF0BFDDA03}" dt="2025-08-11T11:53:36.579" v="31" actId="27636"/>
+          <ac:spMkLst>
+            <pc:docMk/>
+            <pc:sldMk cId="3770432974" sldId="276"/>
+            <ac:spMk id="2" creationId="{D74E99CE-6A74-844B-EC47-CE2CD0C3B9B7}"/>
+          </ac:spMkLst>
+        </pc:spChg>
+        <pc:spChg chg="del">
+          <ac:chgData name="Lokeswar Reddy Valluru" userId="c2e58a91-c8d7-4762-8685-670b085edc60" providerId="ADAL" clId="{B808C923-3565-4F56-9804-9AEF0BFDDA03}" dt="2025-08-11T11:53:32.676" v="28" actId="22"/>
+          <ac:spMkLst>
+            <pc:docMk/>
+            <pc:sldMk cId="3770432974" sldId="276"/>
+            <ac:spMk id="3" creationId="{1E96483C-64ED-7F2D-225C-9822E01FF6FC}"/>
+          </ac:spMkLst>
+        </pc:spChg>
+        <pc:picChg chg="add mod ord">
+          <ac:chgData name="Lokeswar Reddy Valluru" userId="c2e58a91-c8d7-4762-8685-670b085edc60" providerId="ADAL" clId="{B808C923-3565-4F56-9804-9AEF0BFDDA03}" dt="2025-08-11T11:53:38.395" v="32" actId="1076"/>
+          <ac:picMkLst>
+            <pc:docMk/>
+            <pc:sldMk cId="3770432974" sldId="276"/>
+            <ac:picMk id="5" creationId="{6C038647-E5FB-5B92-84DD-ED8FF752DC5F}"/>
+          </ac:picMkLst>
+        </pc:picChg>
+        <pc:picChg chg="add mod">
+          <ac:chgData name="Lokeswar Reddy Valluru" userId="c2e58a91-c8d7-4762-8685-670b085edc60" providerId="ADAL" clId="{B808C923-3565-4F56-9804-9AEF0BFDDA03}" dt="2025-08-11T11:54:01.109" v="34" actId="1076"/>
+          <ac:picMkLst>
+            <pc:docMk/>
+            <pc:sldMk cId="3770432974" sldId="276"/>
+            <ac:picMk id="7" creationId="{9476C77E-CA98-77DE-0191-44A30F4A5782}"/>
+          </ac:picMkLst>
+        </pc:picChg>
+      </pc:sldChg>
+      <pc:sldChg chg="addSp delSp modSp new mod">
+        <pc:chgData name="Lokeswar Reddy Valluru" userId="c2e58a91-c8d7-4762-8685-670b085edc60" providerId="ADAL" clId="{B808C923-3565-4F56-9804-9AEF0BFDDA03}" dt="2025-08-11T11:57:59.901" v="64" actId="1076"/>
+        <pc:sldMkLst>
+          <pc:docMk/>
+          <pc:sldMk cId="1903721084" sldId="277"/>
+        </pc:sldMkLst>
+        <pc:spChg chg="mod">
+          <ac:chgData name="Lokeswar Reddy Valluru" userId="c2e58a91-c8d7-4762-8685-670b085edc60" providerId="ADAL" clId="{B808C923-3565-4F56-9804-9AEF0BFDDA03}" dt="2025-08-11T11:56:45.355" v="60" actId="1076"/>
+          <ac:spMkLst>
+            <pc:docMk/>
+            <pc:sldMk cId="1903721084" sldId="277"/>
+            <ac:spMk id="2" creationId="{F0AC4AC2-7231-550A-BD41-3FBD7742A123}"/>
+          </ac:spMkLst>
+        </pc:spChg>
+        <pc:spChg chg="del">
+          <ac:chgData name="Lokeswar Reddy Valluru" userId="c2e58a91-c8d7-4762-8685-670b085edc60" providerId="ADAL" clId="{B808C923-3565-4F56-9804-9AEF0BFDDA03}" dt="2025-08-11T11:56:46.773" v="61" actId="22"/>
+          <ac:spMkLst>
+            <pc:docMk/>
+            <pc:sldMk cId="1903721084" sldId="277"/>
+            <ac:spMk id="3" creationId="{961B2DB1-5079-0689-7801-A4638F22C692}"/>
+          </ac:spMkLst>
+        </pc:spChg>
+        <pc:picChg chg="add mod ord">
+          <ac:chgData name="Lokeswar Reddy Valluru" userId="c2e58a91-c8d7-4762-8685-670b085edc60" providerId="ADAL" clId="{B808C923-3565-4F56-9804-9AEF0BFDDA03}" dt="2025-08-11T11:56:48.867" v="62" actId="1076"/>
+          <ac:picMkLst>
+            <pc:docMk/>
+            <pc:sldMk cId="1903721084" sldId="277"/>
+            <ac:picMk id="5" creationId="{C00D18C4-DB4F-FDC2-934A-70E06342052C}"/>
+          </ac:picMkLst>
+        </pc:picChg>
+        <pc:picChg chg="add mod">
+          <ac:chgData name="Lokeswar Reddy Valluru" userId="c2e58a91-c8d7-4762-8685-670b085edc60" providerId="ADAL" clId="{B808C923-3565-4F56-9804-9AEF0BFDDA03}" dt="2025-08-11T11:57:59.901" v="64" actId="1076"/>
+          <ac:picMkLst>
+            <pc:docMk/>
+            <pc:sldMk cId="1903721084" sldId="277"/>
+            <ac:picMk id="7" creationId="{9DF4E131-3F30-7CC3-E6F3-0D253AE11181}"/>
+          </ac:picMkLst>
+        </pc:picChg>
+      </pc:sldChg>
+      <pc:sldChg chg="addSp delSp modSp new mod">
+        <pc:chgData name="Lokeswar Reddy Valluru" userId="c2e58a91-c8d7-4762-8685-670b085edc60" providerId="ADAL" clId="{B808C923-3565-4F56-9804-9AEF0BFDDA03}" dt="2025-08-11T12:02:09.280" v="154" actId="20577"/>
+        <pc:sldMkLst>
+          <pc:docMk/>
+          <pc:sldMk cId="1605736554" sldId="278"/>
+        </pc:sldMkLst>
+        <pc:spChg chg="mod">
+          <ac:chgData name="Lokeswar Reddy Valluru" userId="c2e58a91-c8d7-4762-8685-670b085edc60" providerId="ADAL" clId="{B808C923-3565-4F56-9804-9AEF0BFDDA03}" dt="2025-08-11T11:59:40.156" v="70" actId="27636"/>
+          <ac:spMkLst>
+            <pc:docMk/>
+            <pc:sldMk cId="1605736554" sldId="278"/>
+            <ac:spMk id="2" creationId="{4F9F525A-C81C-A0B4-0EFD-A0969D04DACF}"/>
+          </ac:spMkLst>
+        </pc:spChg>
+        <pc:spChg chg="del">
+          <ac:chgData name="Lokeswar Reddy Valluru" userId="c2e58a91-c8d7-4762-8685-670b085edc60" providerId="ADAL" clId="{B808C923-3565-4F56-9804-9AEF0BFDDA03}" dt="2025-08-11T11:59:32.678" v="66" actId="22"/>
+          <ac:spMkLst>
+            <pc:docMk/>
+            <pc:sldMk cId="1605736554" sldId="278"/>
+            <ac:spMk id="3" creationId="{90BA570C-42BF-059C-828F-5E91E64070C4}"/>
+          </ac:spMkLst>
+        </pc:spChg>
+        <pc:spChg chg="add mod">
+          <ac:chgData name="Lokeswar Reddy Valluru" userId="c2e58a91-c8d7-4762-8685-670b085edc60" providerId="ADAL" clId="{B808C923-3565-4F56-9804-9AEF0BFDDA03}" dt="2025-08-11T12:02:09.280" v="154" actId="20577"/>
+          <ac:spMkLst>
+            <pc:docMk/>
+            <pc:sldMk cId="1605736554" sldId="278"/>
+            <ac:spMk id="6" creationId="{9EAA1CBE-BAD2-3C51-1524-A5417E899829}"/>
+          </ac:spMkLst>
+        </pc:spChg>
+        <pc:spChg chg="add">
+          <ac:chgData name="Lokeswar Reddy Valluru" userId="c2e58a91-c8d7-4762-8685-670b085edc60" providerId="ADAL" clId="{B808C923-3565-4F56-9804-9AEF0BFDDA03}" dt="2025-08-11T12:01:35.181" v="114"/>
+          <ac:spMkLst>
+            <pc:docMk/>
+            <pc:sldMk cId="1605736554" sldId="278"/>
+            <ac:spMk id="7" creationId="{9B929228-7476-6830-5A32-F05445583173}"/>
+          </ac:spMkLst>
+        </pc:spChg>
+        <pc:spChg chg="add">
+          <ac:chgData name="Lokeswar Reddy Valluru" userId="c2e58a91-c8d7-4762-8685-670b085edc60" providerId="ADAL" clId="{B808C923-3565-4F56-9804-9AEF0BFDDA03}" dt="2025-08-11T12:01:38.151" v="115"/>
+          <ac:spMkLst>
+            <pc:docMk/>
+            <pc:sldMk cId="1605736554" sldId="278"/>
+            <ac:spMk id="8" creationId="{5168265B-BC19-33A2-7D46-35FEF0D9B005}"/>
+          </ac:spMkLst>
+        </pc:spChg>
+        <pc:picChg chg="add mod ord">
+          <ac:chgData name="Lokeswar Reddy Valluru" userId="c2e58a91-c8d7-4762-8685-670b085edc60" providerId="ADAL" clId="{B808C923-3565-4F56-9804-9AEF0BFDDA03}" dt="2025-08-11T11:59:51.947" v="72" actId="1076"/>
+          <ac:picMkLst>
+            <pc:docMk/>
+            <pc:sldMk cId="1605736554" sldId="278"/>
+            <ac:picMk id="5" creationId="{2B5B3A40-89AF-4B2F-3D16-83FF5381F164}"/>
+          </ac:picMkLst>
+        </pc:picChg>
+      </pc:sldChg>
+      <pc:sldChg chg="addSp delSp modSp new mod">
+        <pc:chgData name="Lokeswar Reddy Valluru" userId="c2e58a91-c8d7-4762-8685-670b085edc60" providerId="ADAL" clId="{B808C923-3565-4F56-9804-9AEF0BFDDA03}" dt="2025-08-11T12:03:46.691" v="197" actId="1076"/>
+        <pc:sldMkLst>
+          <pc:docMk/>
+          <pc:sldMk cId="2692867194" sldId="279"/>
+        </pc:sldMkLst>
+        <pc:spChg chg="del">
+          <ac:chgData name="Lokeswar Reddy Valluru" userId="c2e58a91-c8d7-4762-8685-670b085edc60" providerId="ADAL" clId="{B808C923-3565-4F56-9804-9AEF0BFDDA03}" dt="2025-08-11T12:03:43.975" v="196" actId="22"/>
+          <ac:spMkLst>
+            <pc:docMk/>
+            <pc:sldMk cId="2692867194" sldId="279"/>
+            <ac:spMk id="3" creationId="{D07DD04C-FF4D-C133-5C7B-972B35BF69E8}"/>
+          </ac:spMkLst>
+        </pc:spChg>
+        <pc:spChg chg="add mod">
+          <ac:chgData name="Lokeswar Reddy Valluru" userId="c2e58a91-c8d7-4762-8685-670b085edc60" providerId="ADAL" clId="{B808C923-3565-4F56-9804-9AEF0BFDDA03}" dt="2025-08-11T12:03:21.019" v="195" actId="1076"/>
+          <ac:spMkLst>
+            <pc:docMk/>
+            <pc:sldMk cId="2692867194" sldId="279"/>
+            <ac:spMk id="4" creationId="{D8298703-A695-008A-E427-0CD534E26A27}"/>
+          </ac:spMkLst>
+        </pc:spChg>
+        <pc:picChg chg="add mod ord">
+          <ac:chgData name="Lokeswar Reddy Valluru" userId="c2e58a91-c8d7-4762-8685-670b085edc60" providerId="ADAL" clId="{B808C923-3565-4F56-9804-9AEF0BFDDA03}" dt="2025-08-11T12:03:46.691" v="197" actId="1076"/>
+          <ac:picMkLst>
+            <pc:docMk/>
+            <pc:sldMk cId="2692867194" sldId="279"/>
+            <ac:picMk id="6" creationId="{04C62378-45B0-1216-D290-4BB41A507307}"/>
+          </ac:picMkLst>
+        </pc:picChg>
+      </pc:sldChg>
+    </pc:docChg>
+  </pc:docChgLst>
   <pc:docChgLst>
     <pc:chgData name="Lokeswar Reddy Valluru" userId="c2e58a91-c8d7-4762-8685-670b085edc60" providerId="ADAL" clId="{05C80FB3-5D0F-470F-BA19-7B87444DCFC2}"/>
     <pc:docChg chg="undo custSel addSld modSld">
@@ -152,30 +417,6 @@
           <pc:docMk/>
           <pc:sldMk cId="4027388185" sldId="256"/>
         </pc:sldMkLst>
-        <pc:spChg chg="mod">
-          <ac:chgData name="Lokeswar Reddy Valluru" userId="c2e58a91-c8d7-4762-8685-670b085edc60" providerId="ADAL" clId="{05C80FB3-5D0F-470F-BA19-7B87444DCFC2}" dt="2024-02-19T06:36:24.932" v="5" actId="14100"/>
-          <ac:spMkLst>
-            <pc:docMk/>
-            <pc:sldMk cId="4027388185" sldId="256"/>
-            <ac:spMk id="2" creationId="{C884E067-0429-931C-5E8E-B659DF5DC9D7}"/>
-          </ac:spMkLst>
-        </pc:spChg>
-        <pc:spChg chg="mod">
-          <ac:chgData name="Lokeswar Reddy Valluru" userId="c2e58a91-c8d7-4762-8685-670b085edc60" providerId="ADAL" clId="{05C80FB3-5D0F-470F-BA19-7B87444DCFC2}" dt="2024-02-19T06:36:40.979" v="12" actId="13926"/>
-          <ac:spMkLst>
-            <pc:docMk/>
-            <pc:sldMk cId="4027388185" sldId="256"/>
-            <ac:spMk id="3" creationId="{FA72F40C-A967-8F47-AA11-FBE29F889A7C}"/>
-          </ac:spMkLst>
-        </pc:spChg>
-        <pc:picChg chg="add mod">
-          <ac:chgData name="Lokeswar Reddy Valluru" userId="c2e58a91-c8d7-4762-8685-670b085edc60" providerId="ADAL" clId="{05C80FB3-5D0F-470F-BA19-7B87444DCFC2}" dt="2024-02-19T06:36:36.958" v="11" actId="1076"/>
-          <ac:picMkLst>
-            <pc:docMk/>
-            <pc:sldMk cId="4027388185" sldId="256"/>
-            <ac:picMk id="4" creationId="{B448D9EB-4DC3-4244-BA4D-6D83BF48FC7B}"/>
-          </ac:picMkLst>
-        </pc:picChg>
       </pc:sldChg>
       <pc:sldChg chg="modSp new mod">
         <pc:chgData name="Lokeswar Reddy Valluru" userId="c2e58a91-c8d7-4762-8685-670b085edc60" providerId="ADAL" clId="{05C80FB3-5D0F-470F-BA19-7B87444DCFC2}" dt="2024-02-20T11:15:05.338" v="6703" actId="20577"/>
@@ -183,22 +424,6 @@
           <pc:docMk/>
           <pc:sldMk cId="3075414865" sldId="257"/>
         </pc:sldMkLst>
-        <pc:spChg chg="mod">
-          <ac:chgData name="Lokeswar Reddy Valluru" userId="c2e58a91-c8d7-4762-8685-670b085edc60" providerId="ADAL" clId="{05C80FB3-5D0F-470F-BA19-7B87444DCFC2}" dt="2024-02-19T06:37:14.476" v="27" actId="14100"/>
-          <ac:spMkLst>
-            <pc:docMk/>
-            <pc:sldMk cId="3075414865" sldId="257"/>
-            <ac:spMk id="2" creationId="{32FF95B6-4778-9125-688E-D3E1B6CBF221}"/>
-          </ac:spMkLst>
-        </pc:spChg>
-        <pc:spChg chg="mod">
-          <ac:chgData name="Lokeswar Reddy Valluru" userId="c2e58a91-c8d7-4762-8685-670b085edc60" providerId="ADAL" clId="{05C80FB3-5D0F-470F-BA19-7B87444DCFC2}" dt="2024-02-20T11:15:05.338" v="6703" actId="20577"/>
-          <ac:spMkLst>
-            <pc:docMk/>
-            <pc:sldMk cId="3075414865" sldId="257"/>
-            <ac:spMk id="3" creationId="{A1FF0761-E420-6270-8083-4057E43B4BDE}"/>
-          </ac:spMkLst>
-        </pc:spChg>
       </pc:sldChg>
       <pc:sldChg chg="addSp modSp new mod">
         <pc:chgData name="Lokeswar Reddy Valluru" userId="c2e58a91-c8d7-4762-8685-670b085edc60" providerId="ADAL" clId="{05C80FB3-5D0F-470F-BA19-7B87444DCFC2}" dt="2024-02-19T06:45:24.853" v="349" actId="1076"/>
@@ -206,54 +431,6 @@
           <pc:docMk/>
           <pc:sldMk cId="2998796518" sldId="258"/>
         </pc:sldMkLst>
-        <pc:spChg chg="mod">
-          <ac:chgData name="Lokeswar Reddy Valluru" userId="c2e58a91-c8d7-4762-8685-670b085edc60" providerId="ADAL" clId="{05C80FB3-5D0F-470F-BA19-7B87444DCFC2}" dt="2024-02-19T06:40:12.764" v="118" actId="14100"/>
-          <ac:spMkLst>
-            <pc:docMk/>
-            <pc:sldMk cId="2998796518" sldId="258"/>
-            <ac:spMk id="2" creationId="{190FAC77-3CAF-DB97-7334-FEF2718980EB}"/>
-          </ac:spMkLst>
-        </pc:spChg>
-        <pc:spChg chg="mod">
-          <ac:chgData name="Lokeswar Reddy Valluru" userId="c2e58a91-c8d7-4762-8685-670b085edc60" providerId="ADAL" clId="{05C80FB3-5D0F-470F-BA19-7B87444DCFC2}" dt="2024-02-19T06:43:28.409" v="325" actId="20577"/>
-          <ac:spMkLst>
-            <pc:docMk/>
-            <pc:sldMk cId="2998796518" sldId="258"/>
-            <ac:spMk id="3" creationId="{8633FA1A-6525-B232-35B7-E1C9D8E08FF8}"/>
-          </ac:spMkLst>
-        </pc:spChg>
-        <pc:spChg chg="add mod">
-          <ac:chgData name="Lokeswar Reddy Valluru" userId="c2e58a91-c8d7-4762-8685-670b085edc60" providerId="ADAL" clId="{05C80FB3-5D0F-470F-BA19-7B87444DCFC2}" dt="2024-02-19T06:44:04.487" v="337" actId="20577"/>
-          <ac:spMkLst>
-            <pc:docMk/>
-            <pc:sldMk cId="2998796518" sldId="258"/>
-            <ac:spMk id="6" creationId="{EF30E5CA-669D-955B-DBA6-A4B3B4F052A1}"/>
-          </ac:spMkLst>
-        </pc:spChg>
-        <pc:spChg chg="add mod">
-          <ac:chgData name="Lokeswar Reddy Valluru" userId="c2e58a91-c8d7-4762-8685-670b085edc60" providerId="ADAL" clId="{05C80FB3-5D0F-470F-BA19-7B87444DCFC2}" dt="2024-02-19T06:45:15.329" v="348" actId="20577"/>
-          <ac:spMkLst>
-            <pc:docMk/>
-            <pc:sldMk cId="2998796518" sldId="258"/>
-            <ac:spMk id="9" creationId="{C8F7F6E9-5CC1-EC44-E672-817B370EC2D4}"/>
-          </ac:spMkLst>
-        </pc:spChg>
-        <pc:picChg chg="add mod">
-          <ac:chgData name="Lokeswar Reddy Valluru" userId="c2e58a91-c8d7-4762-8685-670b085edc60" providerId="ADAL" clId="{05C80FB3-5D0F-470F-BA19-7B87444DCFC2}" dt="2024-02-19T06:45:24.853" v="349" actId="1076"/>
-          <ac:picMkLst>
-            <pc:docMk/>
-            <pc:sldMk cId="2998796518" sldId="258"/>
-            <ac:picMk id="5" creationId="{6426E91C-8934-D203-7D62-E392C8299BB6}"/>
-          </ac:picMkLst>
-        </pc:picChg>
-        <pc:picChg chg="add mod">
-          <ac:chgData name="Lokeswar Reddy Valluru" userId="c2e58a91-c8d7-4762-8685-670b085edc60" providerId="ADAL" clId="{05C80FB3-5D0F-470F-BA19-7B87444DCFC2}" dt="2024-02-19T06:44:58.844" v="345" actId="14100"/>
-          <ac:picMkLst>
-            <pc:docMk/>
-            <pc:sldMk cId="2998796518" sldId="258"/>
-            <ac:picMk id="8" creationId="{E9080BF5-1692-3E96-4350-3951EB92D978}"/>
-          </ac:picMkLst>
-        </pc:picChg>
       </pc:sldChg>
       <pc:sldChg chg="addSp modSp new mod">
         <pc:chgData name="Lokeswar Reddy Valluru" userId="c2e58a91-c8d7-4762-8685-670b085edc60" providerId="ADAL" clId="{05C80FB3-5D0F-470F-BA19-7B87444DCFC2}" dt="2024-02-19T07:00:54.471" v="1004" actId="20577"/>
@@ -261,62 +438,6 @@
           <pc:docMk/>
           <pc:sldMk cId="3613702519" sldId="259"/>
         </pc:sldMkLst>
-        <pc:spChg chg="mod">
-          <ac:chgData name="Lokeswar Reddy Valluru" userId="c2e58a91-c8d7-4762-8685-670b085edc60" providerId="ADAL" clId="{05C80FB3-5D0F-470F-BA19-7B87444DCFC2}" dt="2024-02-19T06:45:50.576" v="370" actId="27636"/>
-          <ac:spMkLst>
-            <pc:docMk/>
-            <pc:sldMk cId="3613702519" sldId="259"/>
-            <ac:spMk id="2" creationId="{E230CC7B-836E-B050-DC5F-1F43DC88DEF2}"/>
-          </ac:spMkLst>
-        </pc:spChg>
-        <pc:spChg chg="mod">
-          <ac:chgData name="Lokeswar Reddy Valluru" userId="c2e58a91-c8d7-4762-8685-670b085edc60" providerId="ADAL" clId="{05C80FB3-5D0F-470F-BA19-7B87444DCFC2}" dt="2024-02-19T06:56:36.296" v="702" actId="20577"/>
-          <ac:spMkLst>
-            <pc:docMk/>
-            <pc:sldMk cId="3613702519" sldId="259"/>
-            <ac:spMk id="3" creationId="{9305308B-1890-D76C-9A6A-E1F37F5E90BA}"/>
-          </ac:spMkLst>
-        </pc:spChg>
-        <pc:spChg chg="add mod">
-          <ac:chgData name="Lokeswar Reddy Valluru" userId="c2e58a91-c8d7-4762-8685-670b085edc60" providerId="ADAL" clId="{05C80FB3-5D0F-470F-BA19-7B87444DCFC2}" dt="2024-02-19T06:48:13.131" v="433" actId="20577"/>
-          <ac:spMkLst>
-            <pc:docMk/>
-            <pc:sldMk cId="3613702519" sldId="259"/>
-            <ac:spMk id="6" creationId="{08BABC1A-02C7-CE71-A03A-331D78AB386F}"/>
-          </ac:spMkLst>
-        </pc:spChg>
-        <pc:spChg chg="add mod">
-          <ac:chgData name="Lokeswar Reddy Valluru" userId="c2e58a91-c8d7-4762-8685-670b085edc60" providerId="ADAL" clId="{05C80FB3-5D0F-470F-BA19-7B87444DCFC2}" dt="2024-02-19T06:56:33.867" v="701" actId="14100"/>
-          <ac:spMkLst>
-            <pc:docMk/>
-            <pc:sldMk cId="3613702519" sldId="259"/>
-            <ac:spMk id="9" creationId="{92E2D73D-D91B-8037-296A-95E96F213012}"/>
-          </ac:spMkLst>
-        </pc:spChg>
-        <pc:spChg chg="add mod">
-          <ac:chgData name="Lokeswar Reddy Valluru" userId="c2e58a91-c8d7-4762-8685-670b085edc60" providerId="ADAL" clId="{05C80FB3-5D0F-470F-BA19-7B87444DCFC2}" dt="2024-02-19T07:00:54.471" v="1004" actId="20577"/>
-          <ac:spMkLst>
-            <pc:docMk/>
-            <pc:sldMk cId="3613702519" sldId="259"/>
-            <ac:spMk id="10" creationId="{F81BDAEF-5245-E0F5-FB69-65840939D68F}"/>
-          </ac:spMkLst>
-        </pc:spChg>
-        <pc:picChg chg="add mod">
-          <ac:chgData name="Lokeswar Reddy Valluru" userId="c2e58a91-c8d7-4762-8685-670b085edc60" providerId="ADAL" clId="{05C80FB3-5D0F-470F-BA19-7B87444DCFC2}" dt="2024-02-19T06:56:24.867" v="698" actId="14100"/>
-          <ac:picMkLst>
-            <pc:docMk/>
-            <pc:sldMk cId="3613702519" sldId="259"/>
-            <ac:picMk id="5" creationId="{223AC4B2-F167-4F83-5095-072C4BC5744F}"/>
-          </ac:picMkLst>
-        </pc:picChg>
-        <pc:picChg chg="add mod">
-          <ac:chgData name="Lokeswar Reddy Valluru" userId="c2e58a91-c8d7-4762-8685-670b085edc60" providerId="ADAL" clId="{05C80FB3-5D0F-470F-BA19-7B87444DCFC2}" dt="2024-02-19T06:57:13.099" v="709" actId="1076"/>
-          <ac:picMkLst>
-            <pc:docMk/>
-            <pc:sldMk cId="3613702519" sldId="259"/>
-            <ac:picMk id="8" creationId="{0C755567-E6BB-3F21-E9DC-AFD8E63CC0CC}"/>
-          </ac:picMkLst>
-        </pc:picChg>
       </pc:sldChg>
       <pc:sldChg chg="addSp modSp new mod">
         <pc:chgData name="Lokeswar Reddy Valluru" userId="c2e58a91-c8d7-4762-8685-670b085edc60" providerId="ADAL" clId="{05C80FB3-5D0F-470F-BA19-7B87444DCFC2}" dt="2024-02-19T07:15:38.022" v="1512" actId="14100"/>
@@ -324,54 +445,6 @@
           <pc:docMk/>
           <pc:sldMk cId="4229203702" sldId="260"/>
         </pc:sldMkLst>
-        <pc:spChg chg="mod">
-          <ac:chgData name="Lokeswar Reddy Valluru" userId="c2e58a91-c8d7-4762-8685-670b085edc60" providerId="ADAL" clId="{05C80FB3-5D0F-470F-BA19-7B87444DCFC2}" dt="2024-02-19T07:01:42.796" v="1013" actId="1076"/>
-          <ac:spMkLst>
-            <pc:docMk/>
-            <pc:sldMk cId="4229203702" sldId="260"/>
-            <ac:spMk id="2" creationId="{3B02E16A-CF2B-12E5-EECA-D3D77EA52F8D}"/>
-          </ac:spMkLst>
-        </pc:spChg>
-        <pc:spChg chg="mod">
-          <ac:chgData name="Lokeswar Reddy Valluru" userId="c2e58a91-c8d7-4762-8685-670b085edc60" providerId="ADAL" clId="{05C80FB3-5D0F-470F-BA19-7B87444DCFC2}" dt="2024-02-19T07:15:38.022" v="1512" actId="14100"/>
-          <ac:spMkLst>
-            <pc:docMk/>
-            <pc:sldMk cId="4229203702" sldId="260"/>
-            <ac:spMk id="3" creationId="{72EAEF8A-D650-FA56-A5DF-D64858D0F11D}"/>
-          </ac:spMkLst>
-        </pc:spChg>
-        <pc:spChg chg="add mod">
-          <ac:chgData name="Lokeswar Reddy Valluru" userId="c2e58a91-c8d7-4762-8685-670b085edc60" providerId="ADAL" clId="{05C80FB3-5D0F-470F-BA19-7B87444DCFC2}" dt="2024-02-19T07:12:00.776" v="1305" actId="20577"/>
-          <ac:spMkLst>
-            <pc:docMk/>
-            <pc:sldMk cId="4229203702" sldId="260"/>
-            <ac:spMk id="6" creationId="{5B093F9A-2AF3-0965-9A00-DB91C692DCB2}"/>
-          </ac:spMkLst>
-        </pc:spChg>
-        <pc:spChg chg="add mod">
-          <ac:chgData name="Lokeswar Reddy Valluru" userId="c2e58a91-c8d7-4762-8685-670b085edc60" providerId="ADAL" clId="{05C80FB3-5D0F-470F-BA19-7B87444DCFC2}" dt="2024-02-19T07:12:19.544" v="1313" actId="20577"/>
-          <ac:spMkLst>
-            <pc:docMk/>
-            <pc:sldMk cId="4229203702" sldId="260"/>
-            <ac:spMk id="7" creationId="{4FC18D69-EAA3-7AD8-0B2C-D740BF608D3A}"/>
-          </ac:spMkLst>
-        </pc:spChg>
-        <pc:picChg chg="add mod">
-          <ac:chgData name="Lokeswar Reddy Valluru" userId="c2e58a91-c8d7-4762-8685-670b085edc60" providerId="ADAL" clId="{05C80FB3-5D0F-470F-BA19-7B87444DCFC2}" dt="2024-02-19T07:12:04.611" v="1306" actId="14100"/>
-          <ac:picMkLst>
-            <pc:docMk/>
-            <pc:sldMk cId="4229203702" sldId="260"/>
-            <ac:picMk id="5" creationId="{B2A305B8-93D4-4A80-9219-B3DEDCD24257}"/>
-          </ac:picMkLst>
-        </pc:picChg>
-        <pc:picChg chg="add mod">
-          <ac:chgData name="Lokeswar Reddy Valluru" userId="c2e58a91-c8d7-4762-8685-670b085edc60" providerId="ADAL" clId="{05C80FB3-5D0F-470F-BA19-7B87444DCFC2}" dt="2024-02-19T07:12:42.955" v="1318" actId="1076"/>
-          <ac:picMkLst>
-            <pc:docMk/>
-            <pc:sldMk cId="4229203702" sldId="260"/>
-            <ac:picMk id="9" creationId="{F809CD6B-6B85-EBAA-4556-4FEE0F382EE1}"/>
-          </ac:picMkLst>
-        </pc:picChg>
       </pc:sldChg>
       <pc:sldChg chg="addSp modSp new mod">
         <pc:chgData name="Lokeswar Reddy Valluru" userId="c2e58a91-c8d7-4762-8685-670b085edc60" providerId="ADAL" clId="{05C80FB3-5D0F-470F-BA19-7B87444DCFC2}" dt="2024-02-19T07:32:18.682" v="2119" actId="207"/>
@@ -379,46 +452,6 @@
           <pc:docMk/>
           <pc:sldMk cId="3808174028" sldId="261"/>
         </pc:sldMkLst>
-        <pc:spChg chg="mod">
-          <ac:chgData name="Lokeswar Reddy Valluru" userId="c2e58a91-c8d7-4762-8685-670b085edc60" providerId="ADAL" clId="{05C80FB3-5D0F-470F-BA19-7B87444DCFC2}" dt="2024-02-19T07:19:29.387" v="1533" actId="207"/>
-          <ac:spMkLst>
-            <pc:docMk/>
-            <pc:sldMk cId="3808174028" sldId="261"/>
-            <ac:spMk id="2" creationId="{2624095C-6780-07F6-CF21-359F12BEBB9A}"/>
-          </ac:spMkLst>
-        </pc:spChg>
-        <pc:spChg chg="mod">
-          <ac:chgData name="Lokeswar Reddy Valluru" userId="c2e58a91-c8d7-4762-8685-670b085edc60" providerId="ADAL" clId="{05C80FB3-5D0F-470F-BA19-7B87444DCFC2}" dt="2024-02-19T07:32:18.682" v="2119" actId="207"/>
-          <ac:spMkLst>
-            <pc:docMk/>
-            <pc:sldMk cId="3808174028" sldId="261"/>
-            <ac:spMk id="3" creationId="{6EEE86A1-5233-FD33-6856-3A57868C960E}"/>
-          </ac:spMkLst>
-        </pc:spChg>
-        <pc:spChg chg="add mod">
-          <ac:chgData name="Lokeswar Reddy Valluru" userId="c2e58a91-c8d7-4762-8685-670b085edc60" providerId="ADAL" clId="{05C80FB3-5D0F-470F-BA19-7B87444DCFC2}" dt="2024-02-19T07:20:19.395" v="1558" actId="20577"/>
-          <ac:spMkLst>
-            <pc:docMk/>
-            <pc:sldMk cId="3808174028" sldId="261"/>
-            <ac:spMk id="6" creationId="{B4782FB2-658F-CB5C-E582-BBDE34D31994}"/>
-          </ac:spMkLst>
-        </pc:spChg>
-        <pc:picChg chg="add mod">
-          <ac:chgData name="Lokeswar Reddy Valluru" userId="c2e58a91-c8d7-4762-8685-670b085edc60" providerId="ADAL" clId="{05C80FB3-5D0F-470F-BA19-7B87444DCFC2}" dt="2024-02-19T07:20:04.291" v="1551" actId="14100"/>
-          <ac:picMkLst>
-            <pc:docMk/>
-            <pc:sldMk cId="3808174028" sldId="261"/>
-            <ac:picMk id="5" creationId="{EF17ED9C-D8CF-F558-C854-5FC17B9FCD67}"/>
-          </ac:picMkLst>
-        </pc:picChg>
-        <pc:picChg chg="add mod">
-          <ac:chgData name="Lokeswar Reddy Valluru" userId="c2e58a91-c8d7-4762-8685-670b085edc60" providerId="ADAL" clId="{05C80FB3-5D0F-470F-BA19-7B87444DCFC2}" dt="2024-02-19T07:21:01.947" v="1566" actId="14100"/>
-          <ac:picMkLst>
-            <pc:docMk/>
-            <pc:sldMk cId="3808174028" sldId="261"/>
-            <ac:picMk id="8" creationId="{ECE8B058-9321-6FAB-8A31-1D50BC44430E}"/>
-          </ac:picMkLst>
-        </pc:picChg>
       </pc:sldChg>
       <pc:sldChg chg="addSp modSp new mod">
         <pc:chgData name="Lokeswar Reddy Valluru" userId="c2e58a91-c8d7-4762-8685-670b085edc60" providerId="ADAL" clId="{05C80FB3-5D0F-470F-BA19-7B87444DCFC2}" dt="2024-02-19T07:35:00.922" v="2233" actId="1076"/>
@@ -426,30 +459,6 @@
           <pc:docMk/>
           <pc:sldMk cId="1283915508" sldId="262"/>
         </pc:sldMkLst>
-        <pc:spChg chg="mod">
-          <ac:chgData name="Lokeswar Reddy Valluru" userId="c2e58a91-c8d7-4762-8685-670b085edc60" providerId="ADAL" clId="{05C80FB3-5D0F-470F-BA19-7B87444DCFC2}" dt="2024-02-19T07:32:50.312" v="2138" actId="27636"/>
-          <ac:spMkLst>
-            <pc:docMk/>
-            <pc:sldMk cId="1283915508" sldId="262"/>
-            <ac:spMk id="2" creationId="{25015E83-F2D8-A4C9-5431-CDC4553E50D4}"/>
-          </ac:spMkLst>
-        </pc:spChg>
-        <pc:spChg chg="mod">
-          <ac:chgData name="Lokeswar Reddy Valluru" userId="c2e58a91-c8d7-4762-8685-670b085edc60" providerId="ADAL" clId="{05C80FB3-5D0F-470F-BA19-7B87444DCFC2}" dt="2024-02-19T07:34:11.612" v="2226" actId="5793"/>
-          <ac:spMkLst>
-            <pc:docMk/>
-            <pc:sldMk cId="1283915508" sldId="262"/>
-            <ac:spMk id="3" creationId="{621F691A-8742-8D82-768B-5B988BCB00E9}"/>
-          </ac:spMkLst>
-        </pc:spChg>
-        <pc:picChg chg="add mod">
-          <ac:chgData name="Lokeswar Reddy Valluru" userId="c2e58a91-c8d7-4762-8685-670b085edc60" providerId="ADAL" clId="{05C80FB3-5D0F-470F-BA19-7B87444DCFC2}" dt="2024-02-19T07:35:00.922" v="2233" actId="1076"/>
-          <ac:picMkLst>
-            <pc:docMk/>
-            <pc:sldMk cId="1283915508" sldId="262"/>
-            <ac:picMk id="5" creationId="{07F65014-2137-ABAE-FFED-7324E9CEA9E3}"/>
-          </ac:picMkLst>
-        </pc:picChg>
       </pc:sldChg>
       <pc:sldChg chg="addSp delSp modSp new mod">
         <pc:chgData name="Lokeswar Reddy Valluru" userId="c2e58a91-c8d7-4762-8685-670b085edc60" providerId="ADAL" clId="{05C80FB3-5D0F-470F-BA19-7B87444DCFC2}" dt="2024-02-19T07:47:14.437" v="2768" actId="20577"/>
@@ -457,62 +466,6 @@
           <pc:docMk/>
           <pc:sldMk cId="1501420731" sldId="263"/>
         </pc:sldMkLst>
-        <pc:spChg chg="mod">
-          <ac:chgData name="Lokeswar Reddy Valluru" userId="c2e58a91-c8d7-4762-8685-670b085edc60" providerId="ADAL" clId="{05C80FB3-5D0F-470F-BA19-7B87444DCFC2}" dt="2024-02-19T07:39:49.062" v="2392" actId="20577"/>
-          <ac:spMkLst>
-            <pc:docMk/>
-            <pc:sldMk cId="1501420731" sldId="263"/>
-            <ac:spMk id="2" creationId="{7CF10279-09A3-C6CA-14ED-108DE3A83748}"/>
-          </ac:spMkLst>
-        </pc:spChg>
-        <pc:spChg chg="mod">
-          <ac:chgData name="Lokeswar Reddy Valluru" userId="c2e58a91-c8d7-4762-8685-670b085edc60" providerId="ADAL" clId="{05C80FB3-5D0F-470F-BA19-7B87444DCFC2}" dt="2024-02-19T07:47:14.437" v="2768" actId="20577"/>
-          <ac:spMkLst>
-            <pc:docMk/>
-            <pc:sldMk cId="1501420731" sldId="263"/>
-            <ac:spMk id="3" creationId="{F66C85C4-DCB1-0CA0-52CC-44873B081734}"/>
-          </ac:spMkLst>
-        </pc:spChg>
-        <pc:spChg chg="add mod">
-          <ac:chgData name="Lokeswar Reddy Valluru" userId="c2e58a91-c8d7-4762-8685-670b085edc60" providerId="ADAL" clId="{05C80FB3-5D0F-470F-BA19-7B87444DCFC2}" dt="2024-02-19T07:45:19.218" v="2589" actId="1076"/>
-          <ac:spMkLst>
-            <pc:docMk/>
-            <pc:sldMk cId="1501420731" sldId="263"/>
-            <ac:spMk id="10" creationId="{8D8CEF00-D721-4EB2-3A95-0AFF85C7F85A}"/>
-          </ac:spMkLst>
-        </pc:spChg>
-        <pc:picChg chg="add del mod">
-          <ac:chgData name="Lokeswar Reddy Valluru" userId="c2e58a91-c8d7-4762-8685-670b085edc60" providerId="ADAL" clId="{05C80FB3-5D0F-470F-BA19-7B87444DCFC2}" dt="2024-02-19T07:41:50.866" v="2448" actId="21"/>
-          <ac:picMkLst>
-            <pc:docMk/>
-            <pc:sldMk cId="1501420731" sldId="263"/>
-            <ac:picMk id="5" creationId="{68304FC9-3F57-2FEC-FCC8-F4C66C468E31}"/>
-          </ac:picMkLst>
-        </pc:picChg>
-        <pc:picChg chg="add mod">
-          <ac:chgData name="Lokeswar Reddy Valluru" userId="c2e58a91-c8d7-4762-8685-670b085edc60" providerId="ADAL" clId="{05C80FB3-5D0F-470F-BA19-7B87444DCFC2}" dt="2024-02-19T07:43:51.817" v="2574" actId="1076"/>
-          <ac:picMkLst>
-            <pc:docMk/>
-            <pc:sldMk cId="1501420731" sldId="263"/>
-            <ac:picMk id="7" creationId="{33585A37-2C51-2153-7FB3-AAA802B13C85}"/>
-          </ac:picMkLst>
-        </pc:picChg>
-        <pc:picChg chg="add mod">
-          <ac:chgData name="Lokeswar Reddy Valluru" userId="c2e58a91-c8d7-4762-8685-670b085edc60" providerId="ADAL" clId="{05C80FB3-5D0F-470F-BA19-7B87444DCFC2}" dt="2024-02-19T07:44:53.418" v="2579" actId="1076"/>
-          <ac:picMkLst>
-            <pc:docMk/>
-            <pc:sldMk cId="1501420731" sldId="263"/>
-            <ac:picMk id="9" creationId="{6C0C546A-7115-98F7-D2C8-791F08CC7F7F}"/>
-          </ac:picMkLst>
-        </pc:picChg>
-        <pc:picChg chg="add mod">
-          <ac:chgData name="Lokeswar Reddy Valluru" userId="c2e58a91-c8d7-4762-8685-670b085edc60" providerId="ADAL" clId="{05C80FB3-5D0F-470F-BA19-7B87444DCFC2}" dt="2024-02-19T07:45:48.233" v="2596" actId="14100"/>
-          <ac:picMkLst>
-            <pc:docMk/>
-            <pc:sldMk cId="1501420731" sldId="263"/>
-            <ac:picMk id="12" creationId="{62308846-BCA6-3A88-D6DA-4558E1C132EE}"/>
-          </ac:picMkLst>
-        </pc:picChg>
       </pc:sldChg>
       <pc:sldChg chg="addSp delSp modSp new mod">
         <pc:chgData name="Lokeswar Reddy Valluru" userId="c2e58a91-c8d7-4762-8685-670b085edc60" providerId="ADAL" clId="{05C80FB3-5D0F-470F-BA19-7B87444DCFC2}" dt="2024-02-19T09:21:59.433" v="2846" actId="14100"/>
@@ -520,86 +473,6 @@
           <pc:docMk/>
           <pc:sldMk cId="2980797280" sldId="264"/>
         </pc:sldMkLst>
-        <pc:spChg chg="mod">
-          <ac:chgData name="Lokeswar Reddy Valluru" userId="c2e58a91-c8d7-4762-8685-670b085edc60" providerId="ADAL" clId="{05C80FB3-5D0F-470F-BA19-7B87444DCFC2}" dt="2024-02-19T07:48:00.889" v="2787" actId="1076"/>
-          <ac:spMkLst>
-            <pc:docMk/>
-            <pc:sldMk cId="2980797280" sldId="264"/>
-            <ac:spMk id="2" creationId="{73527B1F-956A-986B-3699-8CAA98A421DD}"/>
-          </ac:spMkLst>
-        </pc:spChg>
-        <pc:spChg chg="del mod">
-          <ac:chgData name="Lokeswar Reddy Valluru" userId="c2e58a91-c8d7-4762-8685-670b085edc60" providerId="ADAL" clId="{05C80FB3-5D0F-470F-BA19-7B87444DCFC2}" dt="2024-02-19T09:17:48.249" v="2794" actId="22"/>
-          <ac:spMkLst>
-            <pc:docMk/>
-            <pc:sldMk cId="2980797280" sldId="264"/>
-            <ac:spMk id="3" creationId="{D635611B-F5EA-4437-C22C-55F72033B5C8}"/>
-          </ac:spMkLst>
-        </pc:spChg>
-        <pc:spChg chg="add mod">
-          <ac:chgData name="Lokeswar Reddy Valluru" userId="c2e58a91-c8d7-4762-8685-670b085edc60" providerId="ADAL" clId="{05C80FB3-5D0F-470F-BA19-7B87444DCFC2}" dt="2024-02-19T09:18:13.436" v="2802" actId="20577"/>
-          <ac:spMkLst>
-            <pc:docMk/>
-            <pc:sldMk cId="2980797280" sldId="264"/>
-            <ac:spMk id="6" creationId="{2E910F0D-F319-9E79-A00D-B8C48207D091}"/>
-          </ac:spMkLst>
-        </pc:spChg>
-        <pc:spChg chg="add mod">
-          <ac:chgData name="Lokeswar Reddy Valluru" userId="c2e58a91-c8d7-4762-8685-670b085edc60" providerId="ADAL" clId="{05C80FB3-5D0F-470F-BA19-7B87444DCFC2}" dt="2024-02-19T09:19:17.145" v="2821" actId="1076"/>
-          <ac:spMkLst>
-            <pc:docMk/>
-            <pc:sldMk cId="2980797280" sldId="264"/>
-            <ac:spMk id="7" creationId="{0B58A141-D56C-56DD-B6F3-928B5D98DCDD}"/>
-          </ac:spMkLst>
-        </pc:spChg>
-        <pc:spChg chg="add mod">
-          <ac:chgData name="Lokeswar Reddy Valluru" userId="c2e58a91-c8d7-4762-8685-670b085edc60" providerId="ADAL" clId="{05C80FB3-5D0F-470F-BA19-7B87444DCFC2}" dt="2024-02-19T09:20:48.313" v="2834" actId="1076"/>
-          <ac:spMkLst>
-            <pc:docMk/>
-            <pc:sldMk cId="2980797280" sldId="264"/>
-            <ac:spMk id="12" creationId="{CB0267FC-E87C-4839-65D5-8CF978DC85B7}"/>
-          </ac:spMkLst>
-        </pc:spChg>
-        <pc:picChg chg="add mod ord">
-          <ac:chgData name="Lokeswar Reddy Valluru" userId="c2e58a91-c8d7-4762-8685-670b085edc60" providerId="ADAL" clId="{05C80FB3-5D0F-470F-BA19-7B87444DCFC2}" dt="2024-02-19T09:19:13.496" v="2820" actId="1076"/>
-          <ac:picMkLst>
-            <pc:docMk/>
-            <pc:sldMk cId="2980797280" sldId="264"/>
-            <ac:picMk id="5" creationId="{B27ED453-4785-5A78-B569-34F24B4140A0}"/>
-          </ac:picMkLst>
-        </pc:picChg>
-        <pc:picChg chg="add mod">
-          <ac:chgData name="Lokeswar Reddy Valluru" userId="c2e58a91-c8d7-4762-8685-670b085edc60" providerId="ADAL" clId="{05C80FB3-5D0F-470F-BA19-7B87444DCFC2}" dt="2024-02-19T09:19:21.290" v="2822" actId="14100"/>
-          <ac:picMkLst>
-            <pc:docMk/>
-            <pc:sldMk cId="2980797280" sldId="264"/>
-            <ac:picMk id="9" creationId="{E6EFE333-03B7-1934-2FA9-769464371AD8}"/>
-          </ac:picMkLst>
-        </pc:picChg>
-        <pc:picChg chg="add mod">
-          <ac:chgData name="Lokeswar Reddy Valluru" userId="c2e58a91-c8d7-4762-8685-670b085edc60" providerId="ADAL" clId="{05C80FB3-5D0F-470F-BA19-7B87444DCFC2}" dt="2024-02-19T09:20:18.529" v="2828" actId="1076"/>
-          <ac:picMkLst>
-            <pc:docMk/>
-            <pc:sldMk cId="2980797280" sldId="264"/>
-            <ac:picMk id="11" creationId="{9BB9FBEB-3D90-EFEE-3E81-6A972DCA2F1B}"/>
-          </ac:picMkLst>
-        </pc:picChg>
-        <pc:picChg chg="add mod">
-          <ac:chgData name="Lokeswar Reddy Valluru" userId="c2e58a91-c8d7-4762-8685-670b085edc60" providerId="ADAL" clId="{05C80FB3-5D0F-470F-BA19-7B87444DCFC2}" dt="2024-02-19T09:21:52.777" v="2843" actId="1076"/>
-          <ac:picMkLst>
-            <pc:docMk/>
-            <pc:sldMk cId="2980797280" sldId="264"/>
-            <ac:picMk id="13" creationId="{2CD30EBF-0D80-E14B-26E6-AA2059478F52}"/>
-          </ac:picMkLst>
-        </pc:picChg>
-        <pc:picChg chg="add mod">
-          <ac:chgData name="Lokeswar Reddy Valluru" userId="c2e58a91-c8d7-4762-8685-670b085edc60" providerId="ADAL" clId="{05C80FB3-5D0F-470F-BA19-7B87444DCFC2}" dt="2024-02-19T09:21:59.433" v="2846" actId="14100"/>
-          <ac:picMkLst>
-            <pc:docMk/>
-            <pc:sldMk cId="2980797280" sldId="264"/>
-            <ac:picMk id="15" creationId="{D2CD2E5C-1E94-02B9-75C3-4C814704101E}"/>
-          </ac:picMkLst>
-        </pc:picChg>
       </pc:sldChg>
       <pc:sldChg chg="addSp modSp new mod">
         <pc:chgData name="Lokeswar Reddy Valluru" userId="c2e58a91-c8d7-4762-8685-670b085edc60" providerId="ADAL" clId="{05C80FB3-5D0F-470F-BA19-7B87444DCFC2}" dt="2024-02-19T09:32:13.270" v="3204" actId="207"/>
@@ -607,62 +480,6 @@
           <pc:docMk/>
           <pc:sldMk cId="445270765" sldId="265"/>
         </pc:sldMkLst>
-        <pc:spChg chg="mod">
-          <ac:chgData name="Lokeswar Reddy Valluru" userId="c2e58a91-c8d7-4762-8685-670b085edc60" providerId="ADAL" clId="{05C80FB3-5D0F-470F-BA19-7B87444DCFC2}" dt="2024-02-19T09:23:44.464" v="2884" actId="1076"/>
-          <ac:spMkLst>
-            <pc:docMk/>
-            <pc:sldMk cId="445270765" sldId="265"/>
-            <ac:spMk id="2" creationId="{4BE4C8C0-B6D1-B965-BCEB-5C78DCD6ED2F}"/>
-          </ac:spMkLst>
-        </pc:spChg>
-        <pc:spChg chg="mod">
-          <ac:chgData name="Lokeswar Reddy Valluru" userId="c2e58a91-c8d7-4762-8685-670b085edc60" providerId="ADAL" clId="{05C80FB3-5D0F-470F-BA19-7B87444DCFC2}" dt="2024-02-19T09:32:13.270" v="3204" actId="207"/>
-          <ac:spMkLst>
-            <pc:docMk/>
-            <pc:sldMk cId="445270765" sldId="265"/>
-            <ac:spMk id="3" creationId="{071CEC10-9547-91A4-CCE5-F7297F550575}"/>
-          </ac:spMkLst>
-        </pc:spChg>
-        <pc:spChg chg="add mod">
-          <ac:chgData name="Lokeswar Reddy Valluru" userId="c2e58a91-c8d7-4762-8685-670b085edc60" providerId="ADAL" clId="{05C80FB3-5D0F-470F-BA19-7B87444DCFC2}" dt="2024-02-19T09:30:15.618" v="3114" actId="1076"/>
-          <ac:spMkLst>
-            <pc:docMk/>
-            <pc:sldMk cId="445270765" sldId="265"/>
-            <ac:spMk id="6" creationId="{1BB00881-4608-D011-C0A4-0EB88F6BD8B8}"/>
-          </ac:spMkLst>
-        </pc:spChg>
-        <pc:spChg chg="add mod">
-          <ac:chgData name="Lokeswar Reddy Valluru" userId="c2e58a91-c8d7-4762-8685-670b085edc60" providerId="ADAL" clId="{05C80FB3-5D0F-470F-BA19-7B87444DCFC2}" dt="2024-02-19T09:31:38.523" v="3127" actId="20577"/>
-          <ac:spMkLst>
-            <pc:docMk/>
-            <pc:sldMk cId="445270765" sldId="265"/>
-            <ac:spMk id="11" creationId="{8DF0C42A-4150-6D6B-17F1-9625FE077B5A}"/>
-          </ac:spMkLst>
-        </pc:spChg>
-        <pc:picChg chg="add mod">
-          <ac:chgData name="Lokeswar Reddy Valluru" userId="c2e58a91-c8d7-4762-8685-670b085edc60" providerId="ADAL" clId="{05C80FB3-5D0F-470F-BA19-7B87444DCFC2}" dt="2024-02-19T09:29:11.080" v="3102" actId="14100"/>
-          <ac:picMkLst>
-            <pc:docMk/>
-            <pc:sldMk cId="445270765" sldId="265"/>
-            <ac:picMk id="5" creationId="{450B8CB4-8F8E-5547-A5C7-0F5A629D92CA}"/>
-          </ac:picMkLst>
-        </pc:picChg>
-        <pc:picChg chg="add mod">
-          <ac:chgData name="Lokeswar Reddy Valluru" userId="c2e58a91-c8d7-4762-8685-670b085edc60" providerId="ADAL" clId="{05C80FB3-5D0F-470F-BA19-7B87444DCFC2}" dt="2024-02-19T09:30:25.513" v="3117" actId="14100"/>
-          <ac:picMkLst>
-            <pc:docMk/>
-            <pc:sldMk cId="445270765" sldId="265"/>
-            <ac:picMk id="8" creationId="{AA777DAE-4EE0-D6B1-0D83-C6372A40F883}"/>
-          </ac:picMkLst>
-        </pc:picChg>
-        <pc:picChg chg="add mod">
-          <ac:chgData name="Lokeswar Reddy Valluru" userId="c2e58a91-c8d7-4762-8685-670b085edc60" providerId="ADAL" clId="{05C80FB3-5D0F-470F-BA19-7B87444DCFC2}" dt="2024-02-19T09:31:28.264" v="3120" actId="1076"/>
-          <ac:picMkLst>
-            <pc:docMk/>
-            <pc:sldMk cId="445270765" sldId="265"/>
-            <ac:picMk id="10" creationId="{CCA3D92E-ACAA-D33C-AD30-560B8110792E}"/>
-          </ac:picMkLst>
-        </pc:picChg>
       </pc:sldChg>
       <pc:sldChg chg="addSp modSp new mod">
         <pc:chgData name="Lokeswar Reddy Valluru" userId="c2e58a91-c8d7-4762-8685-670b085edc60" providerId="ADAL" clId="{05C80FB3-5D0F-470F-BA19-7B87444DCFC2}" dt="2024-02-19T10:33:26.656" v="4666" actId="20577"/>
@@ -670,118 +487,6 @@
           <pc:docMk/>
           <pc:sldMk cId="2132959613" sldId="266"/>
         </pc:sldMkLst>
-        <pc:spChg chg="mod">
-          <ac:chgData name="Lokeswar Reddy Valluru" userId="c2e58a91-c8d7-4762-8685-670b085edc60" providerId="ADAL" clId="{05C80FB3-5D0F-470F-BA19-7B87444DCFC2}" dt="2024-02-19T09:35:52.340" v="3261" actId="27636"/>
-          <ac:spMkLst>
-            <pc:docMk/>
-            <pc:sldMk cId="2132959613" sldId="266"/>
-            <ac:spMk id="2" creationId="{F889A3DF-FB73-9C51-0074-5B975F0F5FBB}"/>
-          </ac:spMkLst>
-        </pc:spChg>
-        <pc:spChg chg="mod">
-          <ac:chgData name="Lokeswar Reddy Valluru" userId="c2e58a91-c8d7-4762-8685-670b085edc60" providerId="ADAL" clId="{05C80FB3-5D0F-470F-BA19-7B87444DCFC2}" dt="2024-02-19T10:33:26.656" v="4666" actId="20577"/>
-          <ac:spMkLst>
-            <pc:docMk/>
-            <pc:sldMk cId="2132959613" sldId="266"/>
-            <ac:spMk id="3" creationId="{D5209E65-752F-3F4F-94C7-DA70D82297D6}"/>
-          </ac:spMkLst>
-        </pc:spChg>
-        <pc:spChg chg="add mod">
-          <ac:chgData name="Lokeswar Reddy Valluru" userId="c2e58a91-c8d7-4762-8685-670b085edc60" providerId="ADAL" clId="{05C80FB3-5D0F-470F-BA19-7B87444DCFC2}" dt="2024-02-19T09:46:28.465" v="3910" actId="14100"/>
-          <ac:spMkLst>
-            <pc:docMk/>
-            <pc:sldMk cId="2132959613" sldId="266"/>
-            <ac:spMk id="4" creationId="{8DB892EF-6E3E-5932-B5EC-FF063B433010}"/>
-          </ac:spMkLst>
-        </pc:spChg>
-        <pc:spChg chg="add mod">
-          <ac:chgData name="Lokeswar Reddy Valluru" userId="c2e58a91-c8d7-4762-8685-670b085edc60" providerId="ADAL" clId="{05C80FB3-5D0F-470F-BA19-7B87444DCFC2}" dt="2024-02-19T09:47:46.063" v="3929" actId="14100"/>
-          <ac:spMkLst>
-            <pc:docMk/>
-            <pc:sldMk cId="2132959613" sldId="266"/>
-            <ac:spMk id="9" creationId="{CF53AE1E-5DAD-64ED-4165-0898DC126F2B}"/>
-          </ac:spMkLst>
-        </pc:spChg>
-        <pc:spChg chg="add mod">
-          <ac:chgData name="Lokeswar Reddy Valluru" userId="c2e58a91-c8d7-4762-8685-670b085edc60" providerId="ADAL" clId="{05C80FB3-5D0F-470F-BA19-7B87444DCFC2}" dt="2024-02-19T09:48:37.326" v="3941" actId="20577"/>
-          <ac:spMkLst>
-            <pc:docMk/>
-            <pc:sldMk cId="2132959613" sldId="266"/>
-            <ac:spMk id="13" creationId="{DB3AF9E5-D923-8090-BCA8-203B6C5CCA1E}"/>
-          </ac:spMkLst>
-        </pc:spChg>
-        <pc:spChg chg="add mod">
-          <ac:chgData name="Lokeswar Reddy Valluru" userId="c2e58a91-c8d7-4762-8685-670b085edc60" providerId="ADAL" clId="{05C80FB3-5D0F-470F-BA19-7B87444DCFC2}" dt="2024-02-19T09:49:00.367" v="3947" actId="1076"/>
-          <ac:spMkLst>
-            <pc:docMk/>
-            <pc:sldMk cId="2132959613" sldId="266"/>
-            <ac:spMk id="14" creationId="{E79E0382-CD57-121E-6EBC-D81BD1304F6C}"/>
-          </ac:spMkLst>
-        </pc:spChg>
-        <pc:spChg chg="add mod">
-          <ac:chgData name="Lokeswar Reddy Valluru" userId="c2e58a91-c8d7-4762-8685-670b085edc60" providerId="ADAL" clId="{05C80FB3-5D0F-470F-BA19-7B87444DCFC2}" dt="2024-02-19T09:49:54.126" v="3977" actId="20577"/>
-          <ac:spMkLst>
-            <pc:docMk/>
-            <pc:sldMk cId="2132959613" sldId="266"/>
-            <ac:spMk id="20" creationId="{11E4BE35-7FA7-560E-897C-1DD221091549}"/>
-          </ac:spMkLst>
-        </pc:spChg>
-        <pc:spChg chg="add mod">
-          <ac:chgData name="Lokeswar Reddy Valluru" userId="c2e58a91-c8d7-4762-8685-670b085edc60" providerId="ADAL" clId="{05C80FB3-5D0F-470F-BA19-7B87444DCFC2}" dt="2024-02-19T09:51:13.647" v="4047" actId="14100"/>
-          <ac:spMkLst>
-            <pc:docMk/>
-            <pc:sldMk cId="2132959613" sldId="266"/>
-            <ac:spMk id="23" creationId="{DC0B18AD-63B7-6788-AFAE-C5AB5AFFBD6E}"/>
-          </ac:spMkLst>
-        </pc:spChg>
-        <pc:picChg chg="add mod">
-          <ac:chgData name="Lokeswar Reddy Valluru" userId="c2e58a91-c8d7-4762-8685-670b085edc60" providerId="ADAL" clId="{05C80FB3-5D0F-470F-BA19-7B87444DCFC2}" dt="2024-02-19T09:50:12.617" v="3979" actId="1076"/>
-          <ac:picMkLst>
-            <pc:docMk/>
-            <pc:sldMk cId="2132959613" sldId="266"/>
-            <ac:picMk id="21" creationId="{C676E4E1-3C04-C6FB-A718-594EE0037655}"/>
-          </ac:picMkLst>
-        </pc:picChg>
-        <pc:picChg chg="add mod">
-          <ac:chgData name="Lokeswar Reddy Valluru" userId="c2e58a91-c8d7-4762-8685-670b085edc60" providerId="ADAL" clId="{05C80FB3-5D0F-470F-BA19-7B87444DCFC2}" dt="2024-02-19T09:50:30.127" v="3982" actId="1076"/>
-          <ac:picMkLst>
-            <pc:docMk/>
-            <pc:sldMk cId="2132959613" sldId="266"/>
-            <ac:picMk id="22" creationId="{C239B0A4-1D65-52DD-7809-94F412D9DB0F}"/>
-          </ac:picMkLst>
-        </pc:picChg>
-        <pc:cxnChg chg="add mod">
-          <ac:chgData name="Lokeswar Reddy Valluru" userId="c2e58a91-c8d7-4762-8685-670b085edc60" providerId="ADAL" clId="{05C80FB3-5D0F-470F-BA19-7B87444DCFC2}" dt="2024-02-19T09:46:55.391" v="3912" actId="13822"/>
-          <ac:cxnSpMkLst>
-            <pc:docMk/>
-            <pc:sldMk cId="2132959613" sldId="266"/>
-            <ac:cxnSpMk id="6" creationId="{2E35F4D1-A4AF-DF33-A1D9-8A029651FF5D}"/>
-          </ac:cxnSpMkLst>
-        </pc:cxnChg>
-        <pc:cxnChg chg="add mod">
-          <ac:chgData name="Lokeswar Reddy Valluru" userId="c2e58a91-c8d7-4762-8685-670b085edc60" providerId="ADAL" clId="{05C80FB3-5D0F-470F-BA19-7B87444DCFC2}" dt="2024-02-19T09:47:49.071" v="3930" actId="1076"/>
-          <ac:cxnSpMkLst>
-            <pc:docMk/>
-            <pc:sldMk cId="2132959613" sldId="266"/>
-            <ac:cxnSpMk id="8" creationId="{7C88040A-093E-7920-EEBE-309F93A62F5D}"/>
-          </ac:cxnSpMkLst>
-        </pc:cxnChg>
-        <pc:cxnChg chg="add mod">
-          <ac:chgData name="Lokeswar Reddy Valluru" userId="c2e58a91-c8d7-4762-8685-670b085edc60" providerId="ADAL" clId="{05C80FB3-5D0F-470F-BA19-7B87444DCFC2}" dt="2024-02-19T09:49:06.423" v="3949" actId="14100"/>
-          <ac:cxnSpMkLst>
-            <pc:docMk/>
-            <pc:sldMk cId="2132959613" sldId="266"/>
-            <ac:cxnSpMk id="11" creationId="{8FFCA999-C69B-8050-FA37-1C52D4A74355}"/>
-          </ac:cxnSpMkLst>
-        </pc:cxnChg>
-        <pc:cxnChg chg="add mod">
-          <ac:chgData name="Lokeswar Reddy Valluru" userId="c2e58a91-c8d7-4762-8685-670b085edc60" providerId="ADAL" clId="{05C80FB3-5D0F-470F-BA19-7B87444DCFC2}" dt="2024-02-19T09:49:24.600" v="3952" actId="14100"/>
-          <ac:cxnSpMkLst>
-            <pc:docMk/>
-            <pc:sldMk cId="2132959613" sldId="266"/>
-            <ac:cxnSpMk id="18" creationId="{C211A537-2669-D91F-D0FA-D1322E84BDC8}"/>
-          </ac:cxnSpMkLst>
-        </pc:cxnChg>
       </pc:sldChg>
       <pc:sldChg chg="addSp modSp new mod">
         <pc:chgData name="Lokeswar Reddy Valluru" userId="c2e58a91-c8d7-4762-8685-670b085edc60" providerId="ADAL" clId="{05C80FB3-5D0F-470F-BA19-7B87444DCFC2}" dt="2024-02-19T10:39:20.312" v="4734" actId="313"/>
@@ -789,46 +494,6 @@
           <pc:docMk/>
           <pc:sldMk cId="374128409" sldId="267"/>
         </pc:sldMkLst>
-        <pc:spChg chg="mod">
-          <ac:chgData name="Lokeswar Reddy Valluru" userId="c2e58a91-c8d7-4762-8685-670b085edc60" providerId="ADAL" clId="{05C80FB3-5D0F-470F-BA19-7B87444DCFC2}" dt="2024-02-19T10:00:29.215" v="4065" actId="1076"/>
-          <ac:spMkLst>
-            <pc:docMk/>
-            <pc:sldMk cId="374128409" sldId="267"/>
-            <ac:spMk id="2" creationId="{63C0C761-55E4-043F-28F5-4199AB3AAB76}"/>
-          </ac:spMkLst>
-        </pc:spChg>
-        <pc:spChg chg="mod">
-          <ac:chgData name="Lokeswar Reddy Valluru" userId="c2e58a91-c8d7-4762-8685-670b085edc60" providerId="ADAL" clId="{05C80FB3-5D0F-470F-BA19-7B87444DCFC2}" dt="2024-02-19T10:39:20.312" v="4734" actId="313"/>
-          <ac:spMkLst>
-            <pc:docMk/>
-            <pc:sldMk cId="374128409" sldId="267"/>
-            <ac:spMk id="3" creationId="{B6F7360D-4177-D600-6B77-0291330C0BCC}"/>
-          </ac:spMkLst>
-        </pc:spChg>
-        <pc:picChg chg="add mod">
-          <ac:chgData name="Lokeswar Reddy Valluru" userId="c2e58a91-c8d7-4762-8685-670b085edc60" providerId="ADAL" clId="{05C80FB3-5D0F-470F-BA19-7B87444DCFC2}" dt="2024-02-19T10:12:01.406" v="4351" actId="1076"/>
-          <ac:picMkLst>
-            <pc:docMk/>
-            <pc:sldMk cId="374128409" sldId="267"/>
-            <ac:picMk id="5" creationId="{443A7270-6F1E-0FF3-C10E-D6D9ABB258AD}"/>
-          </ac:picMkLst>
-        </pc:picChg>
-        <pc:picChg chg="add mod">
-          <ac:chgData name="Lokeswar Reddy Valluru" userId="c2e58a91-c8d7-4762-8685-670b085edc60" providerId="ADAL" clId="{05C80FB3-5D0F-470F-BA19-7B87444DCFC2}" dt="2024-02-19T10:12:03.023" v="4352" actId="1076"/>
-          <ac:picMkLst>
-            <pc:docMk/>
-            <pc:sldMk cId="374128409" sldId="267"/>
-            <ac:picMk id="7" creationId="{DEF76208-07AA-46B5-2965-51377FF78AA5}"/>
-          </ac:picMkLst>
-        </pc:picChg>
-        <pc:picChg chg="add mod">
-          <ac:chgData name="Lokeswar Reddy Valluru" userId="c2e58a91-c8d7-4762-8685-670b085edc60" providerId="ADAL" clId="{05C80FB3-5D0F-470F-BA19-7B87444DCFC2}" dt="2024-02-19T10:12:04.726" v="4353" actId="1076"/>
-          <ac:picMkLst>
-            <pc:docMk/>
-            <pc:sldMk cId="374128409" sldId="267"/>
-            <ac:picMk id="9" creationId="{748BE139-D117-3B18-1480-E1741DFC5F3B}"/>
-          </ac:picMkLst>
-        </pc:picChg>
       </pc:sldChg>
       <pc:sldChg chg="addSp modSp new mod">
         <pc:chgData name="Lokeswar Reddy Valluru" userId="c2e58a91-c8d7-4762-8685-670b085edc60" providerId="ADAL" clId="{05C80FB3-5D0F-470F-BA19-7B87444DCFC2}" dt="2024-02-19T10:31:37.485" v="4553" actId="14100"/>
@@ -836,46 +501,6 @@
           <pc:docMk/>
           <pc:sldMk cId="3827140699" sldId="268"/>
         </pc:sldMkLst>
-        <pc:spChg chg="mod">
-          <ac:chgData name="Lokeswar Reddy Valluru" userId="c2e58a91-c8d7-4762-8685-670b085edc60" providerId="ADAL" clId="{05C80FB3-5D0F-470F-BA19-7B87444DCFC2}" dt="2024-02-19T10:13:29.007" v="4372" actId="1076"/>
-          <ac:spMkLst>
-            <pc:docMk/>
-            <pc:sldMk cId="3827140699" sldId="268"/>
-            <ac:spMk id="2" creationId="{7F8FECCE-B342-EC41-113D-39CF35EB96F7}"/>
-          </ac:spMkLst>
-        </pc:spChg>
-        <pc:spChg chg="mod">
-          <ac:chgData name="Lokeswar Reddy Valluru" userId="c2e58a91-c8d7-4762-8685-670b085edc60" providerId="ADAL" clId="{05C80FB3-5D0F-470F-BA19-7B87444DCFC2}" dt="2024-02-19T10:21:02.304" v="4549" actId="20577"/>
-          <ac:spMkLst>
-            <pc:docMk/>
-            <pc:sldMk cId="3827140699" sldId="268"/>
-            <ac:spMk id="3" creationId="{8C5FCA20-6725-479E-00B4-E8B059C6D156}"/>
-          </ac:spMkLst>
-        </pc:spChg>
-        <pc:picChg chg="add mod">
-          <ac:chgData name="Lokeswar Reddy Valluru" userId="c2e58a91-c8d7-4762-8685-670b085edc60" providerId="ADAL" clId="{05C80FB3-5D0F-470F-BA19-7B87444DCFC2}" dt="2024-02-19T10:20:18.406" v="4494" actId="1076"/>
-          <ac:picMkLst>
-            <pc:docMk/>
-            <pc:sldMk cId="3827140699" sldId="268"/>
-            <ac:picMk id="5" creationId="{0AB2A151-F0C0-BCF2-D163-24EA1B877CCC}"/>
-          </ac:picMkLst>
-        </pc:picChg>
-        <pc:picChg chg="add mod">
-          <ac:chgData name="Lokeswar Reddy Valluru" userId="c2e58a91-c8d7-4762-8685-670b085edc60" providerId="ADAL" clId="{05C80FB3-5D0F-470F-BA19-7B87444DCFC2}" dt="2024-02-19T10:20:20.910" v="4495" actId="1076"/>
-          <ac:picMkLst>
-            <pc:docMk/>
-            <pc:sldMk cId="3827140699" sldId="268"/>
-            <ac:picMk id="7" creationId="{85295D02-BF7C-490B-1EEA-D2F4A4B8FEA1}"/>
-          </ac:picMkLst>
-        </pc:picChg>
-        <pc:picChg chg="add mod">
-          <ac:chgData name="Lokeswar Reddy Valluru" userId="c2e58a91-c8d7-4762-8685-670b085edc60" providerId="ADAL" clId="{05C80FB3-5D0F-470F-BA19-7B87444DCFC2}" dt="2024-02-19T10:31:37.485" v="4553" actId="14100"/>
-          <ac:picMkLst>
-            <pc:docMk/>
-            <pc:sldMk cId="3827140699" sldId="268"/>
-            <ac:picMk id="9" creationId="{088E2857-5BD2-AC7F-F713-C267BBEAFB34}"/>
-          </ac:picMkLst>
-        </pc:picChg>
       </pc:sldChg>
       <pc:sldChg chg="addSp modSp new mod">
         <pc:chgData name="Lokeswar Reddy Valluru" userId="c2e58a91-c8d7-4762-8685-670b085edc60" providerId="ADAL" clId="{05C80FB3-5D0F-470F-BA19-7B87444DCFC2}" dt="2024-02-19T10:48:40.341" v="4889" actId="20577"/>
@@ -883,30 +508,6 @@
           <pc:docMk/>
           <pc:sldMk cId="2747445010" sldId="269"/>
         </pc:sldMkLst>
-        <pc:spChg chg="mod">
-          <ac:chgData name="Lokeswar Reddy Valluru" userId="c2e58a91-c8d7-4762-8685-670b085edc60" providerId="ADAL" clId="{05C80FB3-5D0F-470F-BA19-7B87444DCFC2}" dt="2024-02-19T10:32:30.493" v="4580" actId="14100"/>
-          <ac:spMkLst>
-            <pc:docMk/>
-            <pc:sldMk cId="2747445010" sldId="269"/>
-            <ac:spMk id="2" creationId="{592EB688-483D-5C56-7134-93170F8B2819}"/>
-          </ac:spMkLst>
-        </pc:spChg>
-        <pc:spChg chg="mod">
-          <ac:chgData name="Lokeswar Reddy Valluru" userId="c2e58a91-c8d7-4762-8685-670b085edc60" providerId="ADAL" clId="{05C80FB3-5D0F-470F-BA19-7B87444DCFC2}" dt="2024-02-19T10:48:40.341" v="4889" actId="20577"/>
-          <ac:spMkLst>
-            <pc:docMk/>
-            <pc:sldMk cId="2747445010" sldId="269"/>
-            <ac:spMk id="3" creationId="{579B8863-ACD8-82B2-CA1E-5706CCB9DA6A}"/>
-          </ac:spMkLst>
-        </pc:spChg>
-        <pc:picChg chg="add mod">
-          <ac:chgData name="Lokeswar Reddy Valluru" userId="c2e58a91-c8d7-4762-8685-670b085edc60" providerId="ADAL" clId="{05C80FB3-5D0F-470F-BA19-7B87444DCFC2}" dt="2024-02-19T10:39:30.237" v="4735" actId="14100"/>
-          <ac:picMkLst>
-            <pc:docMk/>
-            <pc:sldMk cId="2747445010" sldId="269"/>
-            <ac:picMk id="5" creationId="{832C0C9E-9350-A837-F1FE-0A74ECD597B2}"/>
-          </ac:picMkLst>
-        </pc:picChg>
       </pc:sldChg>
       <pc:sldChg chg="addSp delSp modSp new mod">
         <pc:chgData name="Lokeswar Reddy Valluru" userId="c2e58a91-c8d7-4762-8685-670b085edc60" providerId="ADAL" clId="{05C80FB3-5D0F-470F-BA19-7B87444DCFC2}" dt="2024-02-19T11:27:13.828" v="5932" actId="27636"/>
@@ -914,118 +515,6 @@
           <pc:docMk/>
           <pc:sldMk cId="3199505436" sldId="270"/>
         </pc:sldMkLst>
-        <pc:spChg chg="mod">
-          <ac:chgData name="Lokeswar Reddy Valluru" userId="c2e58a91-c8d7-4762-8685-670b085edc60" providerId="ADAL" clId="{05C80FB3-5D0F-470F-BA19-7B87444DCFC2}" dt="2024-02-19T10:40:26.317" v="4772" actId="13926"/>
-          <ac:spMkLst>
-            <pc:docMk/>
-            <pc:sldMk cId="3199505436" sldId="270"/>
-            <ac:spMk id="2" creationId="{B998B6F1-13F1-7E92-707B-D3C6EAE5BF0A}"/>
-          </ac:spMkLst>
-        </pc:spChg>
-        <pc:spChg chg="mod">
-          <ac:chgData name="Lokeswar Reddy Valluru" userId="c2e58a91-c8d7-4762-8685-670b085edc60" providerId="ADAL" clId="{05C80FB3-5D0F-470F-BA19-7B87444DCFC2}" dt="2024-02-19T11:27:13.828" v="5932" actId="27636"/>
-          <ac:spMkLst>
-            <pc:docMk/>
-            <pc:sldMk cId="3199505436" sldId="270"/>
-            <ac:spMk id="3" creationId="{96FC755E-DDA0-1911-E2F9-772FD6B90F0A}"/>
-          </ac:spMkLst>
-        </pc:spChg>
-        <pc:spChg chg="add mod">
-          <ac:chgData name="Lokeswar Reddy Valluru" userId="c2e58a91-c8d7-4762-8685-670b085edc60" providerId="ADAL" clId="{05C80FB3-5D0F-470F-BA19-7B87444DCFC2}" dt="2024-02-19T10:54:34.749" v="5423" actId="14100"/>
-          <ac:spMkLst>
-            <pc:docMk/>
-            <pc:sldMk cId="3199505436" sldId="270"/>
-            <ac:spMk id="6" creationId="{EF27F23A-B712-D54E-C9FD-C4522EE93D11}"/>
-          </ac:spMkLst>
-        </pc:spChg>
-        <pc:spChg chg="add mod">
-          <ac:chgData name="Lokeswar Reddy Valluru" userId="c2e58a91-c8d7-4762-8685-670b085edc60" providerId="ADAL" clId="{05C80FB3-5D0F-470F-BA19-7B87444DCFC2}" dt="2024-02-19T10:58:58.060" v="5462" actId="14100"/>
-          <ac:spMkLst>
-            <pc:docMk/>
-            <pc:sldMk cId="3199505436" sldId="270"/>
-            <ac:spMk id="16" creationId="{86F8DA14-D602-8655-600F-E1642C69EA1A}"/>
-          </ac:spMkLst>
-        </pc:spChg>
-        <pc:spChg chg="add mod">
-          <ac:chgData name="Lokeswar Reddy Valluru" userId="c2e58a91-c8d7-4762-8685-670b085edc60" providerId="ADAL" clId="{05C80FB3-5D0F-470F-BA19-7B87444DCFC2}" dt="2024-02-19T11:11:03.501" v="5655" actId="14100"/>
-          <ac:spMkLst>
-            <pc:docMk/>
-            <pc:sldMk cId="3199505436" sldId="270"/>
-            <ac:spMk id="23" creationId="{C7FED14A-5628-E1B4-F3A7-009F83D1CB37}"/>
-          </ac:spMkLst>
-        </pc:spChg>
-        <pc:picChg chg="add mod">
-          <ac:chgData name="Lokeswar Reddy Valluru" userId="c2e58a91-c8d7-4762-8685-670b085edc60" providerId="ADAL" clId="{05C80FB3-5D0F-470F-BA19-7B87444DCFC2}" dt="2024-02-19T10:53:48.693" v="5405" actId="1076"/>
-          <ac:picMkLst>
-            <pc:docMk/>
-            <pc:sldMk cId="3199505436" sldId="270"/>
-            <ac:picMk id="4" creationId="{8F9FED87-8F85-7A5E-E8DB-6FBEE8ADD9C9}"/>
-          </ac:picMkLst>
-        </pc:picChg>
-        <pc:picChg chg="add del mod">
-          <ac:chgData name="Lokeswar Reddy Valluru" userId="c2e58a91-c8d7-4762-8685-670b085edc60" providerId="ADAL" clId="{05C80FB3-5D0F-470F-BA19-7B87444DCFC2}" dt="2024-02-19T10:57:01.554" v="5430" actId="21"/>
-          <ac:picMkLst>
-            <pc:docMk/>
-            <pc:sldMk cId="3199505436" sldId="270"/>
-            <ac:picMk id="5" creationId="{BE4CB609-278B-39DE-FF15-140EA032D63B}"/>
-          </ac:picMkLst>
-        </pc:picChg>
-        <pc:picChg chg="add mod">
-          <ac:chgData name="Lokeswar Reddy Valluru" userId="c2e58a91-c8d7-4762-8685-670b085edc60" providerId="ADAL" clId="{05C80FB3-5D0F-470F-BA19-7B87444DCFC2}" dt="2024-02-19T10:57:28.525" v="5434" actId="1076"/>
-          <ac:picMkLst>
-            <pc:docMk/>
-            <pc:sldMk cId="3199505436" sldId="270"/>
-            <ac:picMk id="7" creationId="{9C26CC19-A2BE-F11E-68C1-E96A496869D3}"/>
-          </ac:picMkLst>
-        </pc:picChg>
-        <pc:picChg chg="add mod">
-          <ac:chgData name="Lokeswar Reddy Valluru" userId="c2e58a91-c8d7-4762-8685-670b085edc60" providerId="ADAL" clId="{05C80FB3-5D0F-470F-BA19-7B87444DCFC2}" dt="2024-02-19T10:59:27.284" v="5465" actId="14100"/>
-          <ac:picMkLst>
-            <pc:docMk/>
-            <pc:sldMk cId="3199505436" sldId="270"/>
-            <ac:picMk id="21" creationId="{D6E00E09-0A4E-055A-C9F2-305F08E16746}"/>
-          </ac:picMkLst>
-        </pc:picChg>
-        <pc:picChg chg="add mod">
-          <ac:chgData name="Lokeswar Reddy Valluru" userId="c2e58a91-c8d7-4762-8685-670b085edc60" providerId="ADAL" clId="{05C80FB3-5D0F-470F-BA19-7B87444DCFC2}" dt="2024-02-19T10:59:36.533" v="5467" actId="1076"/>
-          <ac:picMkLst>
-            <pc:docMk/>
-            <pc:sldMk cId="3199505436" sldId="270"/>
-            <ac:picMk id="22" creationId="{15FD778B-0283-DAAE-6237-544B57B01DDC}"/>
-          </ac:picMkLst>
-        </pc:picChg>
-        <pc:cxnChg chg="add mod">
-          <ac:chgData name="Lokeswar Reddy Valluru" userId="c2e58a91-c8d7-4762-8685-670b085edc60" providerId="ADAL" clId="{05C80FB3-5D0F-470F-BA19-7B87444DCFC2}" dt="2024-02-19T10:58:27.180" v="5455" actId="14100"/>
-          <ac:cxnSpMkLst>
-            <pc:docMk/>
-            <pc:sldMk cId="3199505436" sldId="270"/>
-            <ac:cxnSpMk id="9" creationId="{2BAA43D7-E3B9-ACC5-BBE8-CC640CBFDE57}"/>
-          </ac:cxnSpMkLst>
-        </pc:cxnChg>
-        <pc:cxnChg chg="add mod">
-          <ac:chgData name="Lokeswar Reddy Valluru" userId="c2e58a91-c8d7-4762-8685-670b085edc60" providerId="ADAL" clId="{05C80FB3-5D0F-470F-BA19-7B87444DCFC2}" dt="2024-02-19T10:57:43.668" v="5437" actId="13822"/>
-          <ac:cxnSpMkLst>
-            <pc:docMk/>
-            <pc:sldMk cId="3199505436" sldId="270"/>
-            <ac:cxnSpMk id="13" creationId="{0AA12E77-DAEB-1FF0-9A4C-E48EA957905B}"/>
-          </ac:cxnSpMkLst>
-        </pc:cxnChg>
-        <pc:cxnChg chg="add mod">
-          <ac:chgData name="Lokeswar Reddy Valluru" userId="c2e58a91-c8d7-4762-8685-670b085edc60" providerId="ADAL" clId="{05C80FB3-5D0F-470F-BA19-7B87444DCFC2}" dt="2024-02-19T10:57:54.128" v="5439" actId="13822"/>
-          <ac:cxnSpMkLst>
-            <pc:docMk/>
-            <pc:sldMk cId="3199505436" sldId="270"/>
-            <ac:cxnSpMk id="15" creationId="{5CA5F1F4-E44A-BE41-0D38-56CBA6E110D8}"/>
-          </ac:cxnSpMkLst>
-        </pc:cxnChg>
-        <pc:cxnChg chg="add mod">
-          <ac:chgData name="Lokeswar Reddy Valluru" userId="c2e58a91-c8d7-4762-8685-670b085edc60" providerId="ADAL" clId="{05C80FB3-5D0F-470F-BA19-7B87444DCFC2}" dt="2024-02-19T10:58:54.545" v="5461" actId="13822"/>
-          <ac:cxnSpMkLst>
-            <pc:docMk/>
-            <pc:sldMk cId="3199505436" sldId="270"/>
-            <ac:cxnSpMk id="19" creationId="{1642DC4D-9F1C-5689-7ACC-8C136A038659}"/>
-          </ac:cxnSpMkLst>
-        </pc:cxnChg>
       </pc:sldChg>
       <pc:sldChg chg="addSp modSp new mod">
         <pc:chgData name="Lokeswar Reddy Valluru" userId="c2e58a91-c8d7-4762-8685-670b085edc60" providerId="ADAL" clId="{05C80FB3-5D0F-470F-BA19-7B87444DCFC2}" dt="2024-02-19T11:28:06.544" v="5936" actId="255"/>
@@ -1033,38 +522,6 @@
           <pc:docMk/>
           <pc:sldMk cId="3167380670" sldId="271"/>
         </pc:sldMkLst>
-        <pc:spChg chg="mod">
-          <ac:chgData name="Lokeswar Reddy Valluru" userId="c2e58a91-c8d7-4762-8685-670b085edc60" providerId="ADAL" clId="{05C80FB3-5D0F-470F-BA19-7B87444DCFC2}" dt="2024-02-19T11:12:18.476" v="5671" actId="1076"/>
-          <ac:spMkLst>
-            <pc:docMk/>
-            <pc:sldMk cId="3167380670" sldId="271"/>
-            <ac:spMk id="2" creationId="{8AB9B6A3-FBCA-1E33-611A-91D287B225B0}"/>
-          </ac:spMkLst>
-        </pc:spChg>
-        <pc:spChg chg="mod">
-          <ac:chgData name="Lokeswar Reddy Valluru" userId="c2e58a91-c8d7-4762-8685-670b085edc60" providerId="ADAL" clId="{05C80FB3-5D0F-470F-BA19-7B87444DCFC2}" dt="2024-02-19T11:28:06.544" v="5936" actId="255"/>
-          <ac:spMkLst>
-            <pc:docMk/>
-            <pc:sldMk cId="3167380670" sldId="271"/>
-            <ac:spMk id="3" creationId="{45E5452C-1F37-585B-8064-F1B825AF7131}"/>
-          </ac:spMkLst>
-        </pc:spChg>
-        <pc:picChg chg="add mod">
-          <ac:chgData name="Lokeswar Reddy Valluru" userId="c2e58a91-c8d7-4762-8685-670b085edc60" providerId="ADAL" clId="{05C80FB3-5D0F-470F-BA19-7B87444DCFC2}" dt="2024-02-19T11:13:16.707" v="5713" actId="1076"/>
-          <ac:picMkLst>
-            <pc:docMk/>
-            <pc:sldMk cId="3167380670" sldId="271"/>
-            <ac:picMk id="5" creationId="{915B6AC4-369D-2857-CA00-228467F1D727}"/>
-          </ac:picMkLst>
-        </pc:picChg>
-        <pc:picChg chg="add mod">
-          <ac:chgData name="Lokeswar Reddy Valluru" userId="c2e58a91-c8d7-4762-8685-670b085edc60" providerId="ADAL" clId="{05C80FB3-5D0F-470F-BA19-7B87444DCFC2}" dt="2024-02-19T11:16:01.867" v="5758" actId="14100"/>
-          <ac:picMkLst>
-            <pc:docMk/>
-            <pc:sldMk cId="3167380670" sldId="271"/>
-            <ac:picMk id="7" creationId="{7A929138-9DC1-E393-5DF1-817E364995A6}"/>
-          </ac:picMkLst>
-        </pc:picChg>
       </pc:sldChg>
       <pc:sldChg chg="addSp modSp new mod">
         <pc:chgData name="Lokeswar Reddy Valluru" userId="c2e58a91-c8d7-4762-8685-670b085edc60" providerId="ADAL" clId="{05C80FB3-5D0F-470F-BA19-7B87444DCFC2}" dt="2024-02-20T06:25:14.979" v="6675" actId="14100"/>
@@ -1072,54 +529,6 @@
           <pc:docMk/>
           <pc:sldMk cId="382530212" sldId="272"/>
         </pc:sldMkLst>
-        <pc:spChg chg="mod">
-          <ac:chgData name="Lokeswar Reddy Valluru" userId="c2e58a91-c8d7-4762-8685-670b085edc60" providerId="ADAL" clId="{05C80FB3-5D0F-470F-BA19-7B87444DCFC2}" dt="2024-02-19T13:21:48.035" v="5996" actId="14100"/>
-          <ac:spMkLst>
-            <pc:docMk/>
-            <pc:sldMk cId="382530212" sldId="272"/>
-            <ac:spMk id="2" creationId="{5B37510A-106A-9C0E-F831-2E7DA0A67D8A}"/>
-          </ac:spMkLst>
-        </pc:spChg>
-        <pc:spChg chg="mod">
-          <ac:chgData name="Lokeswar Reddy Valluru" userId="c2e58a91-c8d7-4762-8685-670b085edc60" providerId="ADAL" clId="{05C80FB3-5D0F-470F-BA19-7B87444DCFC2}" dt="2024-02-19T13:25:05.957" v="6271" actId="14100"/>
-          <ac:spMkLst>
-            <pc:docMk/>
-            <pc:sldMk cId="382530212" sldId="272"/>
-            <ac:spMk id="3" creationId="{91CBDE49-0E0F-6DF5-CADA-92D89A30598D}"/>
-          </ac:spMkLst>
-        </pc:spChg>
-        <pc:spChg chg="add mod">
-          <ac:chgData name="Lokeswar Reddy Valluru" userId="c2e58a91-c8d7-4762-8685-670b085edc60" providerId="ADAL" clId="{05C80FB3-5D0F-470F-BA19-7B87444DCFC2}" dt="2024-02-20T06:22:41.114" v="6662" actId="1076"/>
-          <ac:spMkLst>
-            <pc:docMk/>
-            <pc:sldMk cId="382530212" sldId="272"/>
-            <ac:spMk id="6" creationId="{A4676994-5227-AF7C-FD6E-EE1726724208}"/>
-          </ac:spMkLst>
-        </pc:spChg>
-        <pc:spChg chg="add mod">
-          <ac:chgData name="Lokeswar Reddy Valluru" userId="c2e58a91-c8d7-4762-8685-670b085edc60" providerId="ADAL" clId="{05C80FB3-5D0F-470F-BA19-7B87444DCFC2}" dt="2024-02-20T06:24:58.945" v="6672" actId="1076"/>
-          <ac:spMkLst>
-            <pc:docMk/>
-            <pc:sldMk cId="382530212" sldId="272"/>
-            <ac:spMk id="7" creationId="{DCD6FF5D-103F-80F5-DA66-EA5585AB32B4}"/>
-          </ac:spMkLst>
-        </pc:spChg>
-        <pc:spChg chg="add mod">
-          <ac:chgData name="Lokeswar Reddy Valluru" userId="c2e58a91-c8d7-4762-8685-670b085edc60" providerId="ADAL" clId="{05C80FB3-5D0F-470F-BA19-7B87444DCFC2}" dt="2024-02-20T06:25:05.179" v="6674" actId="14100"/>
-          <ac:spMkLst>
-            <pc:docMk/>
-            <pc:sldMk cId="382530212" sldId="272"/>
-            <ac:spMk id="8" creationId="{3FEF0835-056C-CC3F-D7BF-4110B76AA558}"/>
-          </ac:spMkLst>
-        </pc:spChg>
-        <pc:picChg chg="add mod">
-          <ac:chgData name="Lokeswar Reddy Valluru" userId="c2e58a91-c8d7-4762-8685-670b085edc60" providerId="ADAL" clId="{05C80FB3-5D0F-470F-BA19-7B87444DCFC2}" dt="2024-02-20T06:25:14.979" v="6675" actId="14100"/>
-          <ac:picMkLst>
-            <pc:docMk/>
-            <pc:sldMk cId="382530212" sldId="272"/>
-            <ac:picMk id="5" creationId="{D3400C90-B28D-D3A0-9478-B9BB5C11FCFA}"/>
-          </ac:picMkLst>
-        </pc:picChg>
       </pc:sldChg>
       <pc:sldChg chg="addSp modSp new mod">
         <pc:chgData name="Lokeswar Reddy Valluru" userId="c2e58a91-c8d7-4762-8685-670b085edc60" providerId="ADAL" clId="{05C80FB3-5D0F-470F-BA19-7B87444DCFC2}" dt="2024-02-20T11:48:04.082" v="7147" actId="14100"/>
@@ -1127,30 +536,6 @@
           <pc:docMk/>
           <pc:sldMk cId="2076717942" sldId="273"/>
         </pc:sldMkLst>
-        <pc:spChg chg="mod">
-          <ac:chgData name="Lokeswar Reddy Valluru" userId="c2e58a91-c8d7-4762-8685-670b085edc60" providerId="ADAL" clId="{05C80FB3-5D0F-470F-BA19-7B87444DCFC2}" dt="2024-02-20T11:16:15.453" v="6772" actId="14100"/>
-          <ac:spMkLst>
-            <pc:docMk/>
-            <pc:sldMk cId="2076717942" sldId="273"/>
-            <ac:spMk id="2" creationId="{67FD9DAF-C001-7FE6-AE03-1B02E505B3C2}"/>
-          </ac:spMkLst>
-        </pc:spChg>
-        <pc:spChg chg="mod">
-          <ac:chgData name="Lokeswar Reddy Valluru" userId="c2e58a91-c8d7-4762-8685-670b085edc60" providerId="ADAL" clId="{05C80FB3-5D0F-470F-BA19-7B87444DCFC2}" dt="2024-02-20T11:48:04.082" v="7147" actId="14100"/>
-          <ac:spMkLst>
-            <pc:docMk/>
-            <pc:sldMk cId="2076717942" sldId="273"/>
-            <ac:spMk id="3" creationId="{16AC7C07-4687-57B1-DDB1-F9859DE7434F}"/>
-          </ac:spMkLst>
-        </pc:spChg>
-        <pc:picChg chg="add mod">
-          <ac:chgData name="Lokeswar Reddy Valluru" userId="c2e58a91-c8d7-4762-8685-670b085edc60" providerId="ADAL" clId="{05C80FB3-5D0F-470F-BA19-7B87444DCFC2}" dt="2024-02-20T11:47:59.332" v="7146" actId="14100"/>
-          <ac:picMkLst>
-            <pc:docMk/>
-            <pc:sldMk cId="2076717942" sldId="273"/>
-            <ac:picMk id="5" creationId="{207CB08A-241C-59DA-BF32-E160A3D21DF8}"/>
-          </ac:picMkLst>
-        </pc:picChg>
       </pc:sldChg>
     </pc:docChg>
   </pc:docChgLst>
@@ -1306,7 +691,7 @@
           <a:p>
             <a:fld id="{5665E6B1-7A60-4AB3-B7C8-38F5EE4DEB52}" type="datetimeFigureOut">
               <a:rPr lang="en-IN" smtClean="0"/>
-              <a:t>20-02-2024</a:t>
+              <a:t>11-08-2025</a:t>
             </a:fld>
             <a:endParaRPr lang="en-IN"/>
           </a:p>
@@ -1506,7 +891,7 @@
           <a:p>
             <a:fld id="{5665E6B1-7A60-4AB3-B7C8-38F5EE4DEB52}" type="datetimeFigureOut">
               <a:rPr lang="en-IN" smtClean="0"/>
-              <a:t>20-02-2024</a:t>
+              <a:t>11-08-2025</a:t>
             </a:fld>
             <a:endParaRPr lang="en-IN"/>
           </a:p>
@@ -1716,7 +1101,7 @@
           <a:p>
             <a:fld id="{5665E6B1-7A60-4AB3-B7C8-38F5EE4DEB52}" type="datetimeFigureOut">
               <a:rPr lang="en-IN" smtClean="0"/>
-              <a:t>20-02-2024</a:t>
+              <a:t>11-08-2025</a:t>
             </a:fld>
             <a:endParaRPr lang="en-IN"/>
           </a:p>
@@ -1916,7 +1301,7 @@
           <a:p>
             <a:fld id="{5665E6B1-7A60-4AB3-B7C8-38F5EE4DEB52}" type="datetimeFigureOut">
               <a:rPr lang="en-IN" smtClean="0"/>
-              <a:t>20-02-2024</a:t>
+              <a:t>11-08-2025</a:t>
             </a:fld>
             <a:endParaRPr lang="en-IN"/>
           </a:p>
@@ -2192,7 +1577,7 @@
           <a:p>
             <a:fld id="{5665E6B1-7A60-4AB3-B7C8-38F5EE4DEB52}" type="datetimeFigureOut">
               <a:rPr lang="en-IN" smtClean="0"/>
-              <a:t>20-02-2024</a:t>
+              <a:t>11-08-2025</a:t>
             </a:fld>
             <a:endParaRPr lang="en-IN"/>
           </a:p>
@@ -2460,7 +1845,7 @@
           <a:p>
             <a:fld id="{5665E6B1-7A60-4AB3-B7C8-38F5EE4DEB52}" type="datetimeFigureOut">
               <a:rPr lang="en-IN" smtClean="0"/>
-              <a:t>20-02-2024</a:t>
+              <a:t>11-08-2025</a:t>
             </a:fld>
             <a:endParaRPr lang="en-IN"/>
           </a:p>
@@ -2875,7 +2260,7 @@
           <a:p>
             <a:fld id="{5665E6B1-7A60-4AB3-B7C8-38F5EE4DEB52}" type="datetimeFigureOut">
               <a:rPr lang="en-IN" smtClean="0"/>
-              <a:t>20-02-2024</a:t>
+              <a:t>11-08-2025</a:t>
             </a:fld>
             <a:endParaRPr lang="en-IN"/>
           </a:p>
@@ -3017,7 +2402,7 @@
           <a:p>
             <a:fld id="{5665E6B1-7A60-4AB3-B7C8-38F5EE4DEB52}" type="datetimeFigureOut">
               <a:rPr lang="en-IN" smtClean="0"/>
-              <a:t>20-02-2024</a:t>
+              <a:t>11-08-2025</a:t>
             </a:fld>
             <a:endParaRPr lang="en-IN"/>
           </a:p>
@@ -3130,7 +2515,7 @@
           <a:p>
             <a:fld id="{5665E6B1-7A60-4AB3-B7C8-38F5EE4DEB52}" type="datetimeFigureOut">
               <a:rPr lang="en-IN" smtClean="0"/>
-              <a:t>20-02-2024</a:t>
+              <a:t>11-08-2025</a:t>
             </a:fld>
             <a:endParaRPr lang="en-IN"/>
           </a:p>
@@ -3443,7 +2828,7 @@
           <a:p>
             <a:fld id="{5665E6B1-7A60-4AB3-B7C8-38F5EE4DEB52}" type="datetimeFigureOut">
               <a:rPr lang="en-IN" smtClean="0"/>
-              <a:t>20-02-2024</a:t>
+              <a:t>11-08-2025</a:t>
             </a:fld>
             <a:endParaRPr lang="en-IN"/>
           </a:p>
@@ -3732,7 +3117,7 @@
           <a:p>
             <a:fld id="{5665E6B1-7A60-4AB3-B7C8-38F5EE4DEB52}" type="datetimeFigureOut">
               <a:rPr lang="en-IN" smtClean="0"/>
-              <a:t>20-02-2024</a:t>
+              <a:t>11-08-2025</a:t>
             </a:fld>
             <a:endParaRPr lang="en-IN"/>
           </a:p>
@@ -3975,7 +3360,7 @@
           <a:p>
             <a:fld id="{5665E6B1-7A60-4AB3-B7C8-38F5EE4DEB52}" type="datetimeFigureOut">
               <a:rPr lang="en-IN" smtClean="0"/>
-              <a:t>20-02-2024</a:t>
+              <a:t>11-08-2025</a:t>
             </a:fld>
             <a:endParaRPr lang="en-IN"/>
           </a:p>
@@ -7634,6 +7019,200 @@
 </p:sld>
 </file>
 
+<file path=ppt/slides/slide19.xml><?xml version="1.0" encoding="utf-8"?>
+<p:sld xmlns:a="http://schemas.openxmlformats.org/drawingml/2006/main" xmlns:r="http://schemas.openxmlformats.org/officeDocument/2006/relationships" xmlns:p="http://schemas.openxmlformats.org/presentationml/2006/main">
+  <p:cSld>
+    <p:spTree>
+      <p:nvGrpSpPr>
+        <p:cNvPr id="1" name=""/>
+        <p:cNvGrpSpPr/>
+        <p:nvPr/>
+      </p:nvGrpSpPr>
+      <p:grpSpPr>
+        <a:xfrm>
+          <a:off x="0" y="0"/>
+          <a:ext cx="0" cy="0"/>
+          <a:chOff x="0" y="0"/>
+          <a:chExt cx="0" cy="0"/>
+        </a:xfrm>
+      </p:grpSpPr>
+      <p:sp>
+        <p:nvSpPr>
+          <p:cNvPr id="2" name="Title 1">
+            <a:extLst>
+              <a:ext uri="{FF2B5EF4-FFF2-40B4-BE49-F238E27FC236}">
+                <a16:creationId xmlns:a16="http://schemas.microsoft.com/office/drawing/2014/main" id="{393A8C89-A00E-B9AE-3461-8DF6FB711901}"/>
+              </a:ext>
+            </a:extLst>
+          </p:cNvPr>
+          <p:cNvSpPr>
+            <a:spLocks noGrp="1"/>
+          </p:cNvSpPr>
+          <p:nvPr>
+            <p:ph type="title"/>
+          </p:nvPr>
+        </p:nvSpPr>
+        <p:spPr/>
+        <p:txBody>
+          <a:bodyPr/>
+          <a:lstStyle/>
+          <a:p>
+            <a:endParaRPr lang="en-IN"/>
+          </a:p>
+        </p:txBody>
+      </p:sp>
+      <p:pic>
+        <p:nvPicPr>
+          <p:cNvPr id="5" name="Content Placeholder 4">
+            <a:extLst>
+              <a:ext uri="{FF2B5EF4-FFF2-40B4-BE49-F238E27FC236}">
+                <a16:creationId xmlns:a16="http://schemas.microsoft.com/office/drawing/2014/main" id="{66A2DAC8-738A-5968-C70C-82FB84E66EA7}"/>
+              </a:ext>
+            </a:extLst>
+          </p:cNvPr>
+          <p:cNvPicPr>
+            <a:picLocks noGrp="1" noChangeAspect="1"/>
+          </p:cNvPicPr>
+          <p:nvPr>
+            <p:ph idx="1"/>
+          </p:nvPr>
+        </p:nvPicPr>
+        <p:blipFill>
+          <a:blip r:embed="rId2"/>
+          <a:stretch>
+            <a:fillRect/>
+          </a:stretch>
+        </p:blipFill>
+        <p:spPr>
+          <a:xfrm>
+            <a:off x="746659" y="2351530"/>
+            <a:ext cx="3911801" cy="419122"/>
+          </a:xfrm>
+        </p:spPr>
+      </p:pic>
+      <p:pic>
+        <p:nvPicPr>
+          <p:cNvPr id="7" name="Picture 6">
+            <a:extLst>
+              <a:ext uri="{FF2B5EF4-FFF2-40B4-BE49-F238E27FC236}">
+                <a16:creationId xmlns:a16="http://schemas.microsoft.com/office/drawing/2014/main" id="{2CB4FADC-F742-B606-4098-8F473957D835}"/>
+              </a:ext>
+            </a:extLst>
+          </p:cNvPr>
+          <p:cNvPicPr>
+            <a:picLocks noChangeAspect="1"/>
+          </p:cNvPicPr>
+          <p:nvPr/>
+        </p:nvPicPr>
+        <p:blipFill>
+          <a:blip r:embed="rId3"/>
+          <a:stretch>
+            <a:fillRect/>
+          </a:stretch>
+        </p:blipFill>
+        <p:spPr>
+          <a:xfrm>
+            <a:off x="8094381" y="2311682"/>
+            <a:ext cx="2121009" cy="444523"/>
+          </a:xfrm>
+          <a:prstGeom prst="rect">
+            <a:avLst/>
+          </a:prstGeom>
+        </p:spPr>
+      </p:pic>
+      <p:sp>
+        <p:nvSpPr>
+          <p:cNvPr id="8" name="Arrow: Right 7">
+            <a:extLst>
+              <a:ext uri="{FF2B5EF4-FFF2-40B4-BE49-F238E27FC236}">
+                <a16:creationId xmlns:a16="http://schemas.microsoft.com/office/drawing/2014/main" id="{D4E35122-F923-D5AE-1C3D-2650380250C9}"/>
+              </a:ext>
+            </a:extLst>
+          </p:cNvPr>
+          <p:cNvSpPr/>
+          <p:nvPr/>
+        </p:nvSpPr>
+        <p:spPr>
+          <a:xfrm>
+            <a:off x="5283200" y="2351530"/>
+            <a:ext cx="2021840" cy="419122"/>
+          </a:xfrm>
+          <a:prstGeom prst="rightArrow">
+            <a:avLst/>
+          </a:prstGeom>
+        </p:spPr>
+        <p:style>
+          <a:lnRef idx="2">
+            <a:schemeClr val="accent1">
+              <a:shade val="15000"/>
+            </a:schemeClr>
+          </a:lnRef>
+          <a:fillRef idx="1">
+            <a:schemeClr val="accent1"/>
+          </a:fillRef>
+          <a:effectRef idx="0">
+            <a:schemeClr val="accent1"/>
+          </a:effectRef>
+          <a:fontRef idx="minor">
+            <a:schemeClr val="lt1"/>
+          </a:fontRef>
+        </p:style>
+        <p:txBody>
+          <a:bodyPr rtlCol="0" anchor="ctr"/>
+          <a:lstStyle/>
+          <a:p>
+            <a:pPr algn="ctr"/>
+            <a:r>
+              <a:rPr lang="en-US" dirty="0"/>
+              <a:t>To</a:t>
+            </a:r>
+            <a:endParaRPr lang="en-IN" dirty="0"/>
+          </a:p>
+        </p:txBody>
+      </p:sp>
+      <p:pic>
+        <p:nvPicPr>
+          <p:cNvPr id="10" name="Picture 9">
+            <a:extLst>
+              <a:ext uri="{FF2B5EF4-FFF2-40B4-BE49-F238E27FC236}">
+                <a16:creationId xmlns:a16="http://schemas.microsoft.com/office/drawing/2014/main" id="{0594E84C-06B5-4D78-B753-A461B9AC2A29}"/>
+              </a:ext>
+            </a:extLst>
+          </p:cNvPr>
+          <p:cNvPicPr>
+            <a:picLocks noChangeAspect="1"/>
+          </p:cNvPicPr>
+          <p:nvPr/>
+        </p:nvPicPr>
+        <p:blipFill>
+          <a:blip r:embed="rId4"/>
+          <a:stretch>
+            <a:fillRect/>
+          </a:stretch>
+        </p:blipFill>
+        <p:spPr>
+          <a:xfrm>
+            <a:off x="704092" y="2960913"/>
+            <a:ext cx="10337725" cy="3699697"/>
+          </a:xfrm>
+          <a:prstGeom prst="rect">
+            <a:avLst/>
+          </a:prstGeom>
+        </p:spPr>
+      </p:pic>
+    </p:spTree>
+    <p:extLst>
+      <p:ext uri="{BB962C8B-B14F-4D97-AF65-F5344CB8AC3E}">
+        <p14:creationId xmlns:p14="http://schemas.microsoft.com/office/powerpoint/2010/main" val="1203616247"/>
+      </p:ext>
+    </p:extLst>
+  </p:cSld>
+  <p:clrMapOvr>
+    <a:masterClrMapping/>
+  </p:clrMapOvr>
+</p:sld>
+</file>
+
 <file path=ppt/slides/slide2.xml><?xml version="1.0" encoding="utf-8"?>
 <p:sld xmlns:a="http://schemas.openxmlformats.org/drawingml/2006/main" xmlns:r="http://schemas.openxmlformats.org/officeDocument/2006/relationships" xmlns:p="http://schemas.openxmlformats.org/presentationml/2006/main">
   <p:cSld>
@@ -7749,6 +7328,698 @@
     <p:extLst>
       <p:ext uri="{BB962C8B-B14F-4D97-AF65-F5344CB8AC3E}">
         <p14:creationId xmlns:p14="http://schemas.microsoft.com/office/powerpoint/2010/main" val="3075414865"/>
+      </p:ext>
+    </p:extLst>
+  </p:cSld>
+  <p:clrMapOvr>
+    <a:masterClrMapping/>
+  </p:clrMapOvr>
+</p:sld>
+</file>
+
+<file path=ppt/slides/slide20.xml><?xml version="1.0" encoding="utf-8"?>
+<p:sld xmlns:a="http://schemas.openxmlformats.org/drawingml/2006/main" xmlns:r="http://schemas.openxmlformats.org/officeDocument/2006/relationships" xmlns:p="http://schemas.openxmlformats.org/presentationml/2006/main">
+  <p:cSld>
+    <p:spTree>
+      <p:nvGrpSpPr>
+        <p:cNvPr id="1" name=""/>
+        <p:cNvGrpSpPr/>
+        <p:nvPr/>
+      </p:nvGrpSpPr>
+      <p:grpSpPr>
+        <a:xfrm>
+          <a:off x="0" y="0"/>
+          <a:ext cx="0" cy="0"/>
+          <a:chOff x="0" y="0"/>
+          <a:chExt cx="0" cy="0"/>
+        </a:xfrm>
+      </p:grpSpPr>
+      <p:sp>
+        <p:nvSpPr>
+          <p:cNvPr id="2" name="Title 1">
+            <a:extLst>
+              <a:ext uri="{FF2B5EF4-FFF2-40B4-BE49-F238E27FC236}">
+                <a16:creationId xmlns:a16="http://schemas.microsoft.com/office/drawing/2014/main" id="{F5DFF3CC-BB84-6068-39B3-7A26AB48EB2D}"/>
+              </a:ext>
+            </a:extLst>
+          </p:cNvPr>
+          <p:cNvSpPr>
+            <a:spLocks noGrp="1"/>
+          </p:cNvSpPr>
+          <p:nvPr>
+            <p:ph type="title"/>
+          </p:nvPr>
+        </p:nvSpPr>
+        <p:spPr/>
+        <p:txBody>
+          <a:bodyPr/>
+          <a:lstStyle/>
+          <a:p>
+            <a:endParaRPr lang="en-IN"/>
+          </a:p>
+        </p:txBody>
+      </p:sp>
+      <p:pic>
+        <p:nvPicPr>
+          <p:cNvPr id="5" name="Content Placeholder 4">
+            <a:extLst>
+              <a:ext uri="{FF2B5EF4-FFF2-40B4-BE49-F238E27FC236}">
+                <a16:creationId xmlns:a16="http://schemas.microsoft.com/office/drawing/2014/main" id="{91C6D7C9-226A-9FF4-B662-13D1A1079F2C}"/>
+              </a:ext>
+            </a:extLst>
+          </p:cNvPr>
+          <p:cNvPicPr>
+            <a:picLocks noGrp="1" noChangeAspect="1"/>
+          </p:cNvPicPr>
+          <p:nvPr>
+            <p:ph idx="1"/>
+          </p:nvPr>
+        </p:nvPicPr>
+        <p:blipFill>
+          <a:blip r:embed="rId2"/>
+          <a:stretch>
+            <a:fillRect/>
+          </a:stretch>
+        </p:blipFill>
+        <p:spPr>
+          <a:xfrm>
+            <a:off x="838200" y="2181466"/>
+            <a:ext cx="4997707" cy="3835597"/>
+          </a:xfrm>
+        </p:spPr>
+      </p:pic>
+      <p:pic>
+        <p:nvPicPr>
+          <p:cNvPr id="7" name="Picture 6">
+            <a:extLst>
+              <a:ext uri="{FF2B5EF4-FFF2-40B4-BE49-F238E27FC236}">
+                <a16:creationId xmlns:a16="http://schemas.microsoft.com/office/drawing/2014/main" id="{8B2645AB-5B8A-DECE-05C9-BF9A5E4783A5}"/>
+              </a:ext>
+            </a:extLst>
+          </p:cNvPr>
+          <p:cNvPicPr>
+            <a:picLocks noChangeAspect="1"/>
+          </p:cNvPicPr>
+          <p:nvPr/>
+        </p:nvPicPr>
+        <p:blipFill>
+          <a:blip r:embed="rId3"/>
+          <a:stretch>
+            <a:fillRect/>
+          </a:stretch>
+        </p:blipFill>
+        <p:spPr>
+          <a:xfrm>
+            <a:off x="7729680" y="2501883"/>
+            <a:ext cx="3264068" cy="635033"/>
+          </a:xfrm>
+          <a:prstGeom prst="rect">
+            <a:avLst/>
+          </a:prstGeom>
+        </p:spPr>
+      </p:pic>
+      <p:pic>
+        <p:nvPicPr>
+          <p:cNvPr id="9" name="Picture 8">
+            <a:extLst>
+              <a:ext uri="{FF2B5EF4-FFF2-40B4-BE49-F238E27FC236}">
+                <a16:creationId xmlns:a16="http://schemas.microsoft.com/office/drawing/2014/main" id="{A7F73AFF-86AA-92B6-48D5-4744320823F7}"/>
+              </a:ext>
+            </a:extLst>
+          </p:cNvPr>
+          <p:cNvPicPr>
+            <a:picLocks noChangeAspect="1"/>
+          </p:cNvPicPr>
+          <p:nvPr/>
+        </p:nvPicPr>
+        <p:blipFill>
+          <a:blip r:embed="rId4"/>
+          <a:stretch>
+            <a:fillRect/>
+          </a:stretch>
+        </p:blipFill>
+        <p:spPr>
+          <a:xfrm>
+            <a:off x="7558221" y="3948111"/>
+            <a:ext cx="3435527" cy="742988"/>
+          </a:xfrm>
+          <a:prstGeom prst="rect">
+            <a:avLst/>
+          </a:prstGeom>
+        </p:spPr>
+      </p:pic>
+    </p:spTree>
+    <p:extLst>
+      <p:ext uri="{BB962C8B-B14F-4D97-AF65-F5344CB8AC3E}">
+        <p14:creationId xmlns:p14="http://schemas.microsoft.com/office/powerpoint/2010/main" val="3933600316"/>
+      </p:ext>
+    </p:extLst>
+  </p:cSld>
+  <p:clrMapOvr>
+    <a:masterClrMapping/>
+  </p:clrMapOvr>
+</p:sld>
+</file>
+
+<file path=ppt/slides/slide21.xml><?xml version="1.0" encoding="utf-8"?>
+<p:sld xmlns:a="http://schemas.openxmlformats.org/drawingml/2006/main" xmlns:r="http://schemas.openxmlformats.org/officeDocument/2006/relationships" xmlns:p="http://schemas.openxmlformats.org/presentationml/2006/main">
+  <p:cSld>
+    <p:spTree>
+      <p:nvGrpSpPr>
+        <p:cNvPr id="1" name=""/>
+        <p:cNvGrpSpPr/>
+        <p:nvPr/>
+      </p:nvGrpSpPr>
+      <p:grpSpPr>
+        <a:xfrm>
+          <a:off x="0" y="0"/>
+          <a:ext cx="0" cy="0"/>
+          <a:chOff x="0" y="0"/>
+          <a:chExt cx="0" cy="0"/>
+        </a:xfrm>
+      </p:grpSpPr>
+      <p:sp>
+        <p:nvSpPr>
+          <p:cNvPr id="2" name="Title 1">
+            <a:extLst>
+              <a:ext uri="{FF2B5EF4-FFF2-40B4-BE49-F238E27FC236}">
+                <a16:creationId xmlns:a16="http://schemas.microsoft.com/office/drawing/2014/main" id="{D74E99CE-6A74-844B-EC47-CE2CD0C3B9B7}"/>
+              </a:ext>
+            </a:extLst>
+          </p:cNvPr>
+          <p:cNvSpPr>
+            <a:spLocks noGrp="1"/>
+          </p:cNvSpPr>
+          <p:nvPr>
+            <p:ph type="title"/>
+          </p:nvPr>
+        </p:nvSpPr>
+        <p:spPr>
+          <a:xfrm>
+            <a:off x="838200" y="365125"/>
+            <a:ext cx="10515600" cy="473075"/>
+          </a:xfrm>
+        </p:spPr>
+        <p:txBody>
+          <a:bodyPr>
+            <a:normAutofit fontScale="90000"/>
+          </a:bodyPr>
+          <a:lstStyle/>
+          <a:p>
+            <a:endParaRPr lang="en-IN" dirty="0"/>
+          </a:p>
+        </p:txBody>
+      </p:sp>
+      <p:pic>
+        <p:nvPicPr>
+          <p:cNvPr id="5" name="Content Placeholder 4">
+            <a:extLst>
+              <a:ext uri="{FF2B5EF4-FFF2-40B4-BE49-F238E27FC236}">
+                <a16:creationId xmlns:a16="http://schemas.microsoft.com/office/drawing/2014/main" id="{6C038647-E5FB-5B92-84DD-ED8FF752DC5F}"/>
+              </a:ext>
+            </a:extLst>
+          </p:cNvPr>
+          <p:cNvPicPr>
+            <a:picLocks noGrp="1" noChangeAspect="1"/>
+          </p:cNvPicPr>
+          <p:nvPr>
+            <p:ph idx="1"/>
+          </p:nvPr>
+        </p:nvPicPr>
+        <p:blipFill>
+          <a:blip r:embed="rId2"/>
+          <a:stretch>
+            <a:fillRect/>
+          </a:stretch>
+        </p:blipFill>
+        <p:spPr>
+          <a:xfrm>
+            <a:off x="450560" y="1446718"/>
+            <a:ext cx="5645440" cy="2387723"/>
+          </a:xfrm>
+        </p:spPr>
+      </p:pic>
+      <p:pic>
+        <p:nvPicPr>
+          <p:cNvPr id="7" name="Picture 6">
+            <a:extLst>
+              <a:ext uri="{FF2B5EF4-FFF2-40B4-BE49-F238E27FC236}">
+                <a16:creationId xmlns:a16="http://schemas.microsoft.com/office/drawing/2014/main" id="{9476C77E-CA98-77DE-0191-44A30F4A5782}"/>
+              </a:ext>
+            </a:extLst>
+          </p:cNvPr>
+          <p:cNvPicPr>
+            <a:picLocks noChangeAspect="1"/>
+          </p:cNvPicPr>
+          <p:nvPr/>
+        </p:nvPicPr>
+        <p:blipFill>
+          <a:blip r:embed="rId3"/>
+          <a:stretch>
+            <a:fillRect/>
+          </a:stretch>
+        </p:blipFill>
+        <p:spPr>
+          <a:xfrm>
+            <a:off x="7203074" y="1782054"/>
+            <a:ext cx="3664138" cy="1073205"/>
+          </a:xfrm>
+          <a:prstGeom prst="rect">
+            <a:avLst/>
+          </a:prstGeom>
+        </p:spPr>
+      </p:pic>
+    </p:spTree>
+    <p:extLst>
+      <p:ext uri="{BB962C8B-B14F-4D97-AF65-F5344CB8AC3E}">
+        <p14:creationId xmlns:p14="http://schemas.microsoft.com/office/powerpoint/2010/main" val="3770432974"/>
+      </p:ext>
+    </p:extLst>
+  </p:cSld>
+  <p:clrMapOvr>
+    <a:masterClrMapping/>
+  </p:clrMapOvr>
+</p:sld>
+</file>
+
+<file path=ppt/slides/slide22.xml><?xml version="1.0" encoding="utf-8"?>
+<p:sld xmlns:a="http://schemas.openxmlformats.org/drawingml/2006/main" xmlns:r="http://schemas.openxmlformats.org/officeDocument/2006/relationships" xmlns:p="http://schemas.openxmlformats.org/presentationml/2006/main">
+  <p:cSld>
+    <p:spTree>
+      <p:nvGrpSpPr>
+        <p:cNvPr id="1" name=""/>
+        <p:cNvGrpSpPr/>
+        <p:nvPr/>
+      </p:nvGrpSpPr>
+      <p:grpSpPr>
+        <a:xfrm>
+          <a:off x="0" y="0"/>
+          <a:ext cx="0" cy="0"/>
+          <a:chOff x="0" y="0"/>
+          <a:chExt cx="0" cy="0"/>
+        </a:xfrm>
+      </p:grpSpPr>
+      <p:sp>
+        <p:nvSpPr>
+          <p:cNvPr id="2" name="Title 1">
+            <a:extLst>
+              <a:ext uri="{FF2B5EF4-FFF2-40B4-BE49-F238E27FC236}">
+                <a16:creationId xmlns:a16="http://schemas.microsoft.com/office/drawing/2014/main" id="{F0AC4AC2-7231-550A-BD41-3FBD7742A123}"/>
+              </a:ext>
+            </a:extLst>
+          </p:cNvPr>
+          <p:cNvSpPr>
+            <a:spLocks noGrp="1"/>
+          </p:cNvSpPr>
+          <p:nvPr>
+            <p:ph type="title"/>
+          </p:nvPr>
+        </p:nvSpPr>
+        <p:spPr>
+          <a:xfrm>
+            <a:off x="838200" y="180068"/>
+            <a:ext cx="10515600" cy="614589"/>
+          </a:xfrm>
+        </p:spPr>
+        <p:txBody>
+          <a:bodyPr>
+            <a:normAutofit fontScale="90000"/>
+          </a:bodyPr>
+          <a:lstStyle/>
+          <a:p>
+            <a:r>
+              <a:rPr lang="en-US" dirty="0" err="1"/>
+              <a:t>PL_LandingDataTable</a:t>
+            </a:r>
+            <a:r>
+              <a:rPr lang="en-US" dirty="0"/>
+              <a:t> : </a:t>
+            </a:r>
+            <a:endParaRPr lang="en-IN" dirty="0"/>
+          </a:p>
+        </p:txBody>
+      </p:sp>
+      <p:pic>
+        <p:nvPicPr>
+          <p:cNvPr id="5" name="Content Placeholder 4">
+            <a:extLst>
+              <a:ext uri="{FF2B5EF4-FFF2-40B4-BE49-F238E27FC236}">
+                <a16:creationId xmlns:a16="http://schemas.microsoft.com/office/drawing/2014/main" id="{C00D18C4-DB4F-FDC2-934A-70E06342052C}"/>
+              </a:ext>
+            </a:extLst>
+          </p:cNvPr>
+          <p:cNvPicPr>
+            <a:picLocks noGrp="1" noChangeAspect="1"/>
+          </p:cNvPicPr>
+          <p:nvPr>
+            <p:ph idx="1"/>
+          </p:nvPr>
+        </p:nvPicPr>
+        <p:blipFill>
+          <a:blip r:embed="rId2"/>
+          <a:stretch>
+            <a:fillRect/>
+          </a:stretch>
+        </p:blipFill>
+        <p:spPr>
+          <a:xfrm>
+            <a:off x="409361" y="1033465"/>
+            <a:ext cx="8325278" cy="4324572"/>
+          </a:xfrm>
+        </p:spPr>
+      </p:pic>
+      <p:pic>
+        <p:nvPicPr>
+          <p:cNvPr id="7" name="Picture 6">
+            <a:extLst>
+              <a:ext uri="{FF2B5EF4-FFF2-40B4-BE49-F238E27FC236}">
+                <a16:creationId xmlns:a16="http://schemas.microsoft.com/office/drawing/2014/main" id="{9DF4E131-3F30-7CC3-E6F3-0D253AE11181}"/>
+              </a:ext>
+            </a:extLst>
+          </p:cNvPr>
+          <p:cNvPicPr>
+            <a:picLocks noChangeAspect="1"/>
+          </p:cNvPicPr>
+          <p:nvPr/>
+        </p:nvPicPr>
+        <p:blipFill>
+          <a:blip r:embed="rId3"/>
+          <a:stretch>
+            <a:fillRect/>
+          </a:stretch>
+        </p:blipFill>
+        <p:spPr>
+          <a:xfrm>
+            <a:off x="5397350" y="4572858"/>
+            <a:ext cx="5816899" cy="1892397"/>
+          </a:xfrm>
+          <a:prstGeom prst="rect">
+            <a:avLst/>
+          </a:prstGeom>
+        </p:spPr>
+      </p:pic>
+    </p:spTree>
+    <p:extLst>
+      <p:ext uri="{BB962C8B-B14F-4D97-AF65-F5344CB8AC3E}">
+        <p14:creationId xmlns:p14="http://schemas.microsoft.com/office/powerpoint/2010/main" val="1903721084"/>
+      </p:ext>
+    </p:extLst>
+  </p:cSld>
+  <p:clrMapOvr>
+    <a:masterClrMapping/>
+  </p:clrMapOvr>
+</p:sld>
+</file>
+
+<file path=ppt/slides/slide23.xml><?xml version="1.0" encoding="utf-8"?>
+<p:sld xmlns:a="http://schemas.openxmlformats.org/drawingml/2006/main" xmlns:r="http://schemas.openxmlformats.org/officeDocument/2006/relationships" xmlns:p="http://schemas.openxmlformats.org/presentationml/2006/main">
+  <p:cSld>
+    <p:spTree>
+      <p:nvGrpSpPr>
+        <p:cNvPr id="1" name=""/>
+        <p:cNvGrpSpPr/>
+        <p:nvPr/>
+      </p:nvGrpSpPr>
+      <p:grpSpPr>
+        <a:xfrm>
+          <a:off x="0" y="0"/>
+          <a:ext cx="0" cy="0"/>
+          <a:chOff x="0" y="0"/>
+          <a:chExt cx="0" cy="0"/>
+        </a:xfrm>
+      </p:grpSpPr>
+      <p:sp>
+        <p:nvSpPr>
+          <p:cNvPr id="2" name="Title 1">
+            <a:extLst>
+              <a:ext uri="{FF2B5EF4-FFF2-40B4-BE49-F238E27FC236}">
+                <a16:creationId xmlns:a16="http://schemas.microsoft.com/office/drawing/2014/main" id="{4F9F525A-C81C-A0B4-0EFD-A0969D04DACF}"/>
+              </a:ext>
+            </a:extLst>
+          </p:cNvPr>
+          <p:cNvSpPr>
+            <a:spLocks noGrp="1"/>
+          </p:cNvSpPr>
+          <p:nvPr>
+            <p:ph type="title"/>
+          </p:nvPr>
+        </p:nvSpPr>
+        <p:spPr>
+          <a:xfrm>
+            <a:off x="838200" y="365126"/>
+            <a:ext cx="10515600" cy="516618"/>
+          </a:xfrm>
+        </p:spPr>
+        <p:txBody>
+          <a:bodyPr>
+            <a:normAutofit fontScale="90000"/>
+          </a:bodyPr>
+          <a:lstStyle/>
+          <a:p>
+            <a:endParaRPr lang="en-IN" dirty="0"/>
+          </a:p>
+        </p:txBody>
+      </p:sp>
+      <p:pic>
+        <p:nvPicPr>
+          <p:cNvPr id="5" name="Content Placeholder 4">
+            <a:extLst>
+              <a:ext uri="{FF2B5EF4-FFF2-40B4-BE49-F238E27FC236}">
+                <a16:creationId xmlns:a16="http://schemas.microsoft.com/office/drawing/2014/main" id="{2B5B3A40-89AF-4B2F-3D16-83FF5381F164}"/>
+              </a:ext>
+            </a:extLst>
+          </p:cNvPr>
+          <p:cNvPicPr>
+            <a:picLocks noGrp="1" noChangeAspect="1"/>
+          </p:cNvPicPr>
+          <p:nvPr>
+            <p:ph idx="1"/>
+          </p:nvPr>
+        </p:nvPicPr>
+        <p:blipFill>
+          <a:blip r:embed="rId2"/>
+          <a:stretch>
+            <a:fillRect/>
+          </a:stretch>
+        </p:blipFill>
+        <p:spPr>
+          <a:xfrm>
+            <a:off x="283028" y="1629683"/>
+            <a:ext cx="7042296" cy="4351338"/>
+          </a:xfrm>
+        </p:spPr>
+      </p:pic>
+      <p:sp>
+        <p:nvSpPr>
+          <p:cNvPr id="6" name="Rectangle 5">
+            <a:extLst>
+              <a:ext uri="{FF2B5EF4-FFF2-40B4-BE49-F238E27FC236}">
+                <a16:creationId xmlns:a16="http://schemas.microsoft.com/office/drawing/2014/main" id="{9EAA1CBE-BAD2-3C51-1524-A5417E899829}"/>
+              </a:ext>
+            </a:extLst>
+          </p:cNvPr>
+          <p:cNvSpPr/>
+          <p:nvPr/>
+        </p:nvSpPr>
+        <p:spPr>
+          <a:xfrm>
+            <a:off x="8046720" y="1959429"/>
+            <a:ext cx="3655423" cy="2329542"/>
+          </a:xfrm>
+          <a:prstGeom prst="rect">
+            <a:avLst/>
+          </a:prstGeom>
+        </p:spPr>
+        <p:style>
+          <a:lnRef idx="2">
+            <a:schemeClr val="accent1">
+              <a:shade val="15000"/>
+            </a:schemeClr>
+          </a:lnRef>
+          <a:fillRef idx="1">
+            <a:schemeClr val="accent1"/>
+          </a:fillRef>
+          <a:effectRef idx="0">
+            <a:schemeClr val="accent1"/>
+          </a:effectRef>
+          <a:fontRef idx="minor">
+            <a:schemeClr val="lt1"/>
+          </a:fontRef>
+        </p:style>
+        <p:txBody>
+          <a:bodyPr rtlCol="0" anchor="ctr"/>
+          <a:lstStyle/>
+          <a:p>
+            <a:pPr algn="ctr"/>
+            <a:r>
+              <a:rPr lang="en-US" dirty="0"/>
+              <a:t>Sink code for file looks like this </a:t>
+            </a:r>
+          </a:p>
+          <a:p>
+            <a:pPr algn="ctr"/>
+            <a:r>
+              <a:rPr lang="en-IN" dirty="0"/>
+              <a:t>File_ddmmyyyy.csv to file_yyyymmdd.csv</a:t>
+            </a:r>
+          </a:p>
+        </p:txBody>
+      </p:sp>
+    </p:spTree>
+    <p:extLst>
+      <p:ext uri="{BB962C8B-B14F-4D97-AF65-F5344CB8AC3E}">
+        <p14:creationId xmlns:p14="http://schemas.microsoft.com/office/powerpoint/2010/main" val="1605736554"/>
+      </p:ext>
+    </p:extLst>
+  </p:cSld>
+  <p:clrMapOvr>
+    <a:masterClrMapping/>
+  </p:clrMapOvr>
+</p:sld>
+</file>
+
+<file path=ppt/slides/slide24.xml><?xml version="1.0" encoding="utf-8"?>
+<p:sld xmlns:a="http://schemas.openxmlformats.org/drawingml/2006/main" xmlns:r="http://schemas.openxmlformats.org/officeDocument/2006/relationships" xmlns:p="http://schemas.openxmlformats.org/presentationml/2006/main">
+  <p:cSld>
+    <p:spTree>
+      <p:nvGrpSpPr>
+        <p:cNvPr id="1" name=""/>
+        <p:cNvGrpSpPr/>
+        <p:nvPr/>
+      </p:nvGrpSpPr>
+      <p:grpSpPr>
+        <a:xfrm>
+          <a:off x="0" y="0"/>
+          <a:ext cx="0" cy="0"/>
+          <a:chOff x="0" y="0"/>
+          <a:chExt cx="0" cy="0"/>
+        </a:xfrm>
+      </p:grpSpPr>
+      <p:sp>
+        <p:nvSpPr>
+          <p:cNvPr id="2" name="Title 1">
+            <a:extLst>
+              <a:ext uri="{FF2B5EF4-FFF2-40B4-BE49-F238E27FC236}">
+                <a16:creationId xmlns:a16="http://schemas.microsoft.com/office/drawing/2014/main" id="{B5957C86-4855-F4C7-6988-0BC286E5F98E}"/>
+              </a:ext>
+            </a:extLst>
+          </p:cNvPr>
+          <p:cNvSpPr>
+            <a:spLocks noGrp="1"/>
+          </p:cNvSpPr>
+          <p:nvPr>
+            <p:ph type="title"/>
+          </p:nvPr>
+        </p:nvSpPr>
+        <p:spPr/>
+        <p:txBody>
+          <a:bodyPr/>
+          <a:lstStyle/>
+          <a:p>
+            <a:endParaRPr lang="en-IN"/>
+          </a:p>
+        </p:txBody>
+      </p:sp>
+      <p:pic>
+        <p:nvPicPr>
+          <p:cNvPr id="6" name="Content Placeholder 5">
+            <a:extLst>
+              <a:ext uri="{FF2B5EF4-FFF2-40B4-BE49-F238E27FC236}">
+                <a16:creationId xmlns:a16="http://schemas.microsoft.com/office/drawing/2014/main" id="{04C62378-45B0-1216-D290-4BB41A507307}"/>
+              </a:ext>
+            </a:extLst>
+          </p:cNvPr>
+          <p:cNvPicPr>
+            <a:picLocks noGrp="1" noChangeAspect="1"/>
+          </p:cNvPicPr>
+          <p:nvPr>
+            <p:ph idx="1"/>
+          </p:nvPr>
+        </p:nvPicPr>
+        <p:blipFill>
+          <a:blip r:embed="rId2"/>
+          <a:stretch>
+            <a:fillRect/>
+          </a:stretch>
+        </p:blipFill>
+        <p:spPr>
+          <a:xfrm>
+            <a:off x="415108" y="2159000"/>
+            <a:ext cx="7074264" cy="3340272"/>
+          </a:xfrm>
+        </p:spPr>
+      </p:pic>
+      <p:sp>
+        <p:nvSpPr>
+          <p:cNvPr id="4" name="Rectangle 3">
+            <a:extLst>
+              <a:ext uri="{FF2B5EF4-FFF2-40B4-BE49-F238E27FC236}">
+                <a16:creationId xmlns:a16="http://schemas.microsoft.com/office/drawing/2014/main" id="{D8298703-A695-008A-E427-0CD534E26A27}"/>
+              </a:ext>
+            </a:extLst>
+          </p:cNvPr>
+          <p:cNvSpPr/>
+          <p:nvPr/>
+        </p:nvSpPr>
+        <p:spPr>
+          <a:xfrm>
+            <a:off x="8061960" y="2123440"/>
+            <a:ext cx="3291840" cy="1544320"/>
+          </a:xfrm>
+          <a:prstGeom prst="rect">
+            <a:avLst/>
+          </a:prstGeom>
+        </p:spPr>
+        <p:style>
+          <a:lnRef idx="2">
+            <a:schemeClr val="accent1">
+              <a:shade val="15000"/>
+            </a:schemeClr>
+          </a:lnRef>
+          <a:fillRef idx="1">
+            <a:schemeClr val="accent1"/>
+          </a:fillRef>
+          <a:effectRef idx="0">
+            <a:schemeClr val="accent1"/>
+          </a:effectRef>
+          <a:fontRef idx="minor">
+            <a:schemeClr val="lt1"/>
+          </a:fontRef>
+        </p:style>
+        <p:txBody>
+          <a:bodyPr rtlCol="0" anchor="ctr"/>
+          <a:lstStyle/>
+          <a:p>
+            <a:pPr algn="ctr"/>
+            <a:r>
+              <a:rPr lang="en-US" dirty="0"/>
+              <a:t>For </a:t>
+            </a:r>
+            <a:r>
+              <a:rPr lang="en-IN" b="1" dirty="0"/>
+              <a:t>client_assets_202507220605.csv</a:t>
+            </a:r>
+          </a:p>
+          <a:p>
+            <a:pPr algn="ctr"/>
+            <a:r>
+              <a:rPr lang="en-IN" dirty="0"/>
+              <a:t>To </a:t>
+            </a:r>
+          </a:p>
+          <a:p>
+            <a:pPr algn="ctr"/>
+            <a:r>
+              <a:rPr lang="en-IN" dirty="0"/>
+              <a:t>Client_assets_20250722.csv</a:t>
+            </a:r>
+          </a:p>
+        </p:txBody>
+      </p:sp>
+    </p:spTree>
+    <p:extLst>
+      <p:ext uri="{BB962C8B-B14F-4D97-AF65-F5344CB8AC3E}">
+        <p14:creationId xmlns:p14="http://schemas.microsoft.com/office/powerpoint/2010/main" val="2692867194"/>
       </p:ext>
     </p:extLst>
   </p:cSld>
